--- a/Project_Documentation/Big Data Analytics.pptx
+++ b/Project_Documentation/Big Data Analytics.pptx
@@ -159,9 +159,9 @@
 <file path=ppt/revisionInfo.xml><?xml version="1.0" encoding="utf-8"?>
 <p1510:revInfo xmlns:a="http://schemas.openxmlformats.org/drawingml/2006/main" xmlns:r="http://schemas.openxmlformats.org/officeDocument/2006/relationships" xmlns:p1510="http://schemas.microsoft.com/office/powerpoint/2015/10/main">
   <p1510:revLst>
-    <p1510:client id="{AE96D634-1E31-4F71-A329-BE54061EA1B0}" v="14" dt="2017-03-18T03:58:38.648"/>
-    <p1510:client id="{6287BC4F-D44E-4DB1-BB93-338DBDECBFAC}" v="196" dt="2017-03-18T03:48:43.990"/>
-    <p1510:client id="{C63B954C-6025-4363-9F9E-9DE1B039CD8A}" v="52" dt="2017-03-18T04:05:13.579"/>
+    <p1510:client id="{AEE7FE05-3206-4452-8DFD-C520C06E3451}" v="1" dt="2017-04-28T04:53:43.673"/>
+    <p1510:client id="{23C9BAB6-3C04-4725-921C-45BB6576FAA3}" v="583" dt="2017-04-28T05:41:12.221"/>
+    <p1510:client id="{A1B7355C-0B5B-4426-951F-62262394BBDB}" v="2" dt="2017-04-28T05:35:14.663"/>
   </p1510:revLst>
 </p1510:revInfo>
 </file>
@@ -248,7 +248,7 @@
           <a:p>
             <a:fld id="{7395F848-6DDA-9042-95D4-0071278BB24B}" type="datetimeFigureOut">
               <a:rPr lang="en-US" smtClean="0"/>
-              <a:t>3/18/2017</a:t>
+              <a:t>4/28/2017</a:t>
             </a:fld>
             <a:endParaRPr lang="en-US"/>
           </a:p>
@@ -615,6 +615,72 @@
             <a:endParaRPr lang="en-US"/>
           </a:p>
           <a:p>
+            <a:pPr marL="0" marR="0" indent="0" algn="l" defTabSz="457200" rtl="0" eaLnBrk="1" fontAlgn="auto" latinLnBrk="0" hangingPunct="1">
+              <a:lnSpc>
+                <a:spcPct val="100000"/>
+              </a:lnSpc>
+              <a:spcBef>
+                <a:spcPts val="0"/>
+              </a:spcBef>
+              <a:spcAft>
+                <a:spcPts val="0"/>
+              </a:spcAft>
+              <a:buClrTx/>
+              <a:buSzTx/>
+              <a:buFontTx/>
+              <a:buNone/>
+              <a:tabLst/>
+              <a:defRPr/>
+            </a:pPr>
+            <a:endParaRPr lang="en-US"/>
+          </a:p>
+          <a:p>
+            <a:pPr marL="0" marR="0" indent="0" algn="l" defTabSz="457200" rtl="0" eaLnBrk="1" fontAlgn="auto" latinLnBrk="0" hangingPunct="1">
+              <a:lnSpc>
+                <a:spcPct val="100000"/>
+              </a:lnSpc>
+              <a:spcBef>
+                <a:spcPts val="0"/>
+              </a:spcBef>
+              <a:spcAft>
+                <a:spcPts val="0"/>
+              </a:spcAft>
+              <a:buClrTx/>
+              <a:buSzTx/>
+              <a:buFontTx/>
+              <a:buNone/>
+              <a:tabLst/>
+              <a:defRPr/>
+            </a:pPr>
+            <a:r>
+              <a:rPr lang="en-US"/>
+              <a:t># Material removed</a:t>
+            </a:r>
+          </a:p>
+          <a:p>
+            <a:r>
+              <a:rPr lang="en-US"/>
+              <a:t>Project </a:t>
+            </a:r>
+            <a:r>
+              <a:rPr lang="en-US" err="1"/>
+              <a:t>Desc</a:t>
+            </a:r>
+            <a:r>
+              <a:rPr lang="en-US"/>
+              <a:t>:</a:t>
+            </a:r>
+          </a:p>
+          <a:p>
+            <a:r>
+              <a:rPr lang="en-US"/>
+              <a:t>, and developing a plan of changes to implement in the production database to improve database performance for our client's use cases.</a:t>
+            </a:r>
+          </a:p>
+          <a:p>
+            <a:endParaRPr lang="en-US"/>
+          </a:p>
+          <a:p>
             <a:endParaRPr lang="en-US"/>
           </a:p>
         </p:txBody>
@@ -1392,7 +1458,7 @@
           <a:p>
             <a:fld id="{56B6BD69-149A-CD41-9E7C-E241C9398BA0}" type="datetimeFigureOut">
               <a:rPr lang="en-US" smtClean="0"/>
-              <a:t>3/18/2017</a:t>
+              <a:t>4/28/2017</a:t>
             </a:fld>
             <a:endParaRPr lang="en-US"/>
           </a:p>
@@ -1570,7 +1636,7 @@
           <a:p>
             <a:fld id="{56B6BD69-149A-CD41-9E7C-E241C9398BA0}" type="datetimeFigureOut">
               <a:rPr lang="en-US" smtClean="0"/>
-              <a:t>3/18/2017</a:t>
+              <a:t>4/28/2017</a:t>
             </a:fld>
             <a:endParaRPr lang="en-US"/>
           </a:p>
@@ -1738,7 +1804,7 @@
           <a:p>
             <a:fld id="{56B6BD69-149A-CD41-9E7C-E241C9398BA0}" type="datetimeFigureOut">
               <a:rPr lang="en-US" smtClean="0"/>
-              <a:t>3/18/2017</a:t>
+              <a:t>4/28/2017</a:t>
             </a:fld>
             <a:endParaRPr lang="en-US"/>
           </a:p>
@@ -1983,7 +2049,7 @@
           <a:p>
             <a:fld id="{56B6BD69-149A-CD41-9E7C-E241C9398BA0}" type="datetimeFigureOut">
               <a:rPr lang="en-US" smtClean="0"/>
-              <a:t>3/18/2017</a:t>
+              <a:t>4/28/2017</a:t>
             </a:fld>
             <a:endParaRPr lang="en-US"/>
           </a:p>
@@ -2268,7 +2334,7 @@
           <a:p>
             <a:fld id="{56B6BD69-149A-CD41-9E7C-E241C9398BA0}" type="datetimeFigureOut">
               <a:rPr lang="en-US" smtClean="0"/>
-              <a:t>3/18/2017</a:t>
+              <a:t>4/28/2017</a:t>
             </a:fld>
             <a:endParaRPr lang="en-US"/>
           </a:p>
@@ -2692,7 +2758,7 @@
           <a:p>
             <a:fld id="{56B6BD69-149A-CD41-9E7C-E241C9398BA0}" type="datetimeFigureOut">
               <a:rPr lang="en-US" smtClean="0"/>
-              <a:t>3/18/2017</a:t>
+              <a:t>4/28/2017</a:t>
             </a:fld>
             <a:endParaRPr lang="en-US"/>
           </a:p>
@@ -2809,7 +2875,7 @@
           <a:p>
             <a:fld id="{56B6BD69-149A-CD41-9E7C-E241C9398BA0}" type="datetimeFigureOut">
               <a:rPr lang="en-US" smtClean="0"/>
-              <a:t>3/18/2017</a:t>
+              <a:t>4/28/2017</a:t>
             </a:fld>
             <a:endParaRPr lang="en-US"/>
           </a:p>
@@ -2904,7 +2970,7 @@
           <a:p>
             <a:fld id="{56B6BD69-149A-CD41-9E7C-E241C9398BA0}" type="datetimeFigureOut">
               <a:rPr lang="en-US" smtClean="0"/>
-              <a:t>3/18/2017</a:t>
+              <a:t>4/28/2017</a:t>
             </a:fld>
             <a:endParaRPr lang="en-US"/>
           </a:p>
@@ -3179,7 +3245,7 @@
           <a:p>
             <a:fld id="{56B6BD69-149A-CD41-9E7C-E241C9398BA0}" type="datetimeFigureOut">
               <a:rPr lang="en-US" smtClean="0"/>
-              <a:t>3/18/2017</a:t>
+              <a:t>4/28/2017</a:t>
             </a:fld>
             <a:endParaRPr lang="en-US"/>
           </a:p>
@@ -3434,7 +3500,7 @@
           <a:p>
             <a:fld id="{56B6BD69-149A-CD41-9E7C-E241C9398BA0}" type="datetimeFigureOut">
               <a:rPr lang="en-US" smtClean="0"/>
-              <a:t>3/18/2017</a:t>
+              <a:t>4/28/2017</a:t>
             </a:fld>
             <a:endParaRPr lang="en-US"/>
           </a:p>
@@ -3645,7 +3711,7 @@
           <a:p>
             <a:fld id="{56B6BD69-149A-CD41-9E7C-E241C9398BA0}" type="datetimeFigureOut">
               <a:rPr lang="en-US" smtClean="0"/>
-              <a:t>3/18/2017</a:t>
+              <a:t>4/28/2017</a:t>
             </a:fld>
             <a:endParaRPr lang="en-US"/>
           </a:p>
@@ -4022,80 +4088,14 @@
       </p:grpSpPr>
       <p:sp>
         <p:nvSpPr>
-          <p:cNvPr id="2" name="Title 1"/>
-          <p:cNvSpPr>
-            <a:spLocks noGrp="1"/>
-          </p:cNvSpPr>
-          <p:nvPr>
-            <p:ph type="ctrTitle" idx="4294967295"/>
-          </p:nvPr>
+          <p:cNvPr id="31" name="TextBox 30"/>
+          <p:cNvSpPr txBox="1"/>
+          <p:nvPr/>
         </p:nvSpPr>
         <p:spPr>
           <a:xfrm>
-            <a:off x="12469125" y="2483718"/>
-            <a:ext cx="18951755" cy="1365892"/>
-          </a:xfrm>
-        </p:spPr>
-        <p:txBody>
-          <a:bodyPr lIns="0" tIns="0" rIns="0" bIns="0">
-            <a:noAutofit/>
-          </a:bodyPr>
-          <a:lstStyle/>
-          <a:p>
-            <a:pPr algn="l"/>
-            <a:r>
-              <a:rPr lang="en-US" sz="8000" b="1" cap="all"/>
-              <a:t>Big Data Analytics:</a:t>
-            </a:r>
-          </a:p>
-        </p:txBody>
-      </p:sp>
-      <p:sp>
-        <p:nvSpPr>
-          <p:cNvPr id="3" name="Subtitle 2"/>
-          <p:cNvSpPr>
-            <a:spLocks noGrp="1"/>
-          </p:cNvSpPr>
-          <p:nvPr>
-            <p:ph type="subTitle" idx="4294967295"/>
-          </p:nvPr>
-        </p:nvSpPr>
-        <p:spPr>
-          <a:xfrm>
-            <a:off x="12469125" y="3849610"/>
-            <a:ext cx="18951755" cy="1991672"/>
-          </a:xfrm>
-        </p:spPr>
-        <p:txBody>
-          <a:bodyPr lIns="0" tIns="0" rIns="0" bIns="0">
-            <a:normAutofit/>
-          </a:bodyPr>
-          <a:lstStyle/>
-          <a:p>
-            <a:pPr marL="0" indent="0" algn="l">
-              <a:buNone/>
-            </a:pPr>
-            <a:r>
-              <a:rPr lang="en-US" sz="5400">
-                <a:solidFill>
-                  <a:srgbClr val="F37321"/>
-                </a:solidFill>
-              </a:rPr>
-              <a:t>Effects of Memory Management and Parallelism</a:t>
-            </a:r>
-          </a:p>
-        </p:txBody>
-      </p:sp>
-      <p:sp>
-        <p:nvSpPr>
-          <p:cNvPr id="13" name="TextBox 12"/>
-          <p:cNvSpPr txBox="1"/>
-          <p:nvPr/>
-        </p:nvSpPr>
-        <p:spPr>
-          <a:xfrm>
-            <a:off x="12442645" y="5671612"/>
-            <a:ext cx="9222475" cy="26380513"/>
+            <a:off x="34493201" y="12674612"/>
+            <a:ext cx="7827420" cy="15628638"/>
           </a:xfrm>
           <a:prstGeom prst="rect">
             <a:avLst/>
@@ -4103,7 +4103,7 @@
           <a:noFill/>
         </p:spPr>
         <p:txBody>
-          <a:bodyPr wrap="square" rtlCol="0" anchor="t" anchorCtr="0">
+          <a:bodyPr wrap="square" rtlCol="0" anchor="ctr">
             <a:noAutofit/>
           </a:bodyPr>
           <a:lstStyle/>
@@ -4116,344 +4116,11 @@
             <a:r>
               <a:rPr lang="en-US" sz="3600" b="1">
                 <a:solidFill>
-                  <a:srgbClr val="5D87A1"/>
+                  <a:srgbClr val="F37321"/>
                 </a:solidFill>
               </a:rPr>
-              <a:t>Program Global Area (PGA) Parameters</a:t>
-            </a:r>
-          </a:p>
-          <a:p>
-            <a:pPr>
-              <a:spcAft>
-                <a:spcPts val="1800"/>
-              </a:spcAft>
-            </a:pPr>
-            <a:r>
-              <a:rPr lang="en-US" sz="3000"/>
-              <a:t>Emphasis was placed on both documented and undocumented parameters focused on managing work area size. A specified work area provides the allotment of memory used to complete an operation such as sort or hash. If a work area size is surpassed, the operation spills to disk to complete to work which causes drastic increase in execution time.</a:t>
-            </a:r>
-          </a:p>
-          <a:p>
-            <a:pPr>
-              <a:spcAft>
-                <a:spcPts val="1800"/>
-              </a:spcAft>
-            </a:pPr>
-            <a:r>
-              <a:rPr lang="en-US" sz="3600" b="1">
-                <a:solidFill>
-                  <a:srgbClr val="5D87A1"/>
-                </a:solidFill>
-              </a:rPr>
-              <a:t>Automatic Big Table Cache</a:t>
-            </a:r>
-          </a:p>
-          <a:p>
-            <a:pPr>
-              <a:spcAft>
-                <a:spcPts val="1800"/>
-              </a:spcAft>
-            </a:pPr>
-            <a:r>
-              <a:rPr lang="en-US" sz="3000"/>
-              <a:t>New feature as of Oracle 12c, uses a temperature based algorithm to determine which tables considered large should be stored in a cache store located in the SGA. When enabled, stores table after initial scan so benefits are seen upon replicate samples.</a:t>
-            </a:r>
-          </a:p>
-          <a:p>
-            <a:pPr>
-              <a:spcAft>
-                <a:spcPts val="1800"/>
-              </a:spcAft>
-            </a:pPr>
-            <a:endParaRPr lang="en-US" sz="3600" b="1">
-              <a:solidFill>
-                <a:srgbClr val="5D87A1"/>
-              </a:solidFill>
-            </a:endParaRPr>
-          </a:p>
-          <a:p>
-            <a:pPr>
-              <a:spcAft>
-                <a:spcPts val="1800"/>
-              </a:spcAft>
-            </a:pPr>
-            <a:endParaRPr lang="en-US" sz="3600" b="1">
-              <a:solidFill>
-                <a:srgbClr val="5D87A1"/>
-              </a:solidFill>
-            </a:endParaRPr>
-          </a:p>
-          <a:p>
-            <a:pPr>
-              <a:spcAft>
-                <a:spcPts val="1800"/>
-              </a:spcAft>
-            </a:pPr>
-            <a:endParaRPr lang="en-US" sz="3600" b="1">
-              <a:solidFill>
-                <a:srgbClr val="5D87A1"/>
-              </a:solidFill>
-            </a:endParaRPr>
-          </a:p>
-          <a:p>
-            <a:pPr>
-              <a:spcAft>
-                <a:spcPts val="1800"/>
-              </a:spcAft>
-            </a:pPr>
-            <a:endParaRPr lang="en-US" sz="3600" b="1">
-              <a:solidFill>
-                <a:srgbClr val="5D87A1"/>
-              </a:solidFill>
-            </a:endParaRPr>
-          </a:p>
-          <a:p>
-            <a:pPr>
-              <a:spcAft>
-                <a:spcPts val="1800"/>
-              </a:spcAft>
-            </a:pPr>
-            <a:endParaRPr lang="en-US" sz="3600" b="1">
-              <a:solidFill>
-                <a:srgbClr val="5D87A1"/>
-              </a:solidFill>
-            </a:endParaRPr>
-          </a:p>
-          <a:p>
-            <a:pPr>
-              <a:spcAft>
-                <a:spcPts val="1800"/>
-              </a:spcAft>
-            </a:pPr>
-            <a:endParaRPr lang="en-US" sz="3600" b="1">
-              <a:solidFill>
-                <a:srgbClr val="5D87A1"/>
-              </a:solidFill>
-            </a:endParaRPr>
-          </a:p>
-          <a:p>
-            <a:pPr>
-              <a:spcAft>
-                <a:spcPts val="1800"/>
-              </a:spcAft>
-            </a:pPr>
-            <a:endParaRPr lang="en-US" sz="3600" b="1">
-              <a:solidFill>
-                <a:srgbClr val="5D87A1"/>
-              </a:solidFill>
-            </a:endParaRPr>
-          </a:p>
-          <a:p>
-            <a:pPr>
-              <a:spcAft>
-                <a:spcPts val="1800"/>
-              </a:spcAft>
-            </a:pPr>
-            <a:endParaRPr lang="en-US" sz="2800" b="1">
-              <a:solidFill>
-                <a:srgbClr val="5D87A1"/>
-              </a:solidFill>
-            </a:endParaRPr>
-          </a:p>
-          <a:p>
-            <a:pPr>
-              <a:spcAft>
-                <a:spcPts val="1800"/>
-              </a:spcAft>
-            </a:pPr>
-            <a:endParaRPr lang="en-US" sz="2800" b="1">
-              <a:solidFill>
-                <a:srgbClr val="000000"/>
-              </a:solidFill>
-            </a:endParaRPr>
-          </a:p>
-          <a:p>
-            <a:pPr>
-              <a:spcAft>
-                <a:spcPts val="1800"/>
-              </a:spcAft>
-            </a:pPr>
-            <a:r>
-              <a:rPr lang="en-US" sz="2800" b="1"/>
-              <a:t>Figure 2: BT Cache Experiment</a:t>
-            </a:r>
-          </a:p>
-          <a:p>
-            <a:pPr>
-              <a:spcAft>
-                <a:spcPts val="1800"/>
-              </a:spcAft>
-            </a:pPr>
-            <a:r>
-              <a:rPr lang="en-US" sz="3600" b="1">
-                <a:solidFill>
-                  <a:srgbClr val="5D87A1"/>
-                </a:solidFill>
-              </a:rPr>
-              <a:t>In-Memory Column Store</a:t>
-            </a:r>
-            <a:endParaRPr lang="en-US" sz="3600" b="1"/>
-          </a:p>
-          <a:p>
-            <a:pPr>
-              <a:spcAft>
-                <a:spcPts val="1800"/>
-              </a:spcAft>
-            </a:pPr>
-            <a:r>
-              <a:rPr lang="en-US" sz="3000"/>
-              <a:t>New feature as of Oracle 12c, stores data in column format. Objects as specific as columns from a table can be flagged for storage. Blocks from In-Memory storage can be scanned without decompression. Unit headers house </a:t>
-            </a:r>
-            <a:r>
-              <a:rPr lang="en-US" sz="3000" err="1"/>
-              <a:t>preaggregated</a:t>
-            </a:r>
-            <a:r>
-              <a:rPr lang="en-US" sz="3000"/>
-              <a:t> values about data within column, thus providing the benefit of indexed tables.</a:t>
-            </a:r>
-          </a:p>
-          <a:p>
-            <a:pPr>
-              <a:spcAft>
-                <a:spcPts val="1800"/>
-              </a:spcAft>
-            </a:pPr>
-            <a:endParaRPr lang="en-US" sz="3000"/>
-          </a:p>
-          <a:p>
-            <a:pPr>
-              <a:spcAft>
-                <a:spcPts val="1800"/>
-              </a:spcAft>
-            </a:pPr>
-            <a:endParaRPr lang="en-US" sz="3000"/>
-          </a:p>
-          <a:p>
-            <a:pPr>
-              <a:spcAft>
-                <a:spcPts val="1800"/>
-              </a:spcAft>
-            </a:pPr>
-            <a:endParaRPr lang="en-US" sz="3000"/>
-          </a:p>
-          <a:p>
-            <a:pPr>
-              <a:spcAft>
-                <a:spcPts val="1800"/>
-              </a:spcAft>
-            </a:pPr>
-            <a:endParaRPr lang="en-US" sz="3000"/>
-          </a:p>
-          <a:p>
-            <a:pPr>
-              <a:spcAft>
-                <a:spcPts val="1800"/>
-              </a:spcAft>
-            </a:pPr>
-            <a:endParaRPr lang="en-US" sz="3000"/>
-          </a:p>
-          <a:p>
-            <a:pPr>
-              <a:spcAft>
-                <a:spcPts val="1800"/>
-              </a:spcAft>
-            </a:pPr>
-            <a:endParaRPr lang="en-US" sz="3000"/>
-          </a:p>
-          <a:p>
-            <a:pPr>
-              <a:spcAft>
-                <a:spcPts val="1800"/>
-              </a:spcAft>
-            </a:pPr>
-            <a:endParaRPr lang="en-US" sz="3000"/>
-          </a:p>
-          <a:p>
-            <a:pPr>
-              <a:spcAft>
-                <a:spcPts val="1800"/>
-              </a:spcAft>
-            </a:pPr>
-            <a:endParaRPr lang="en-US" sz="3000"/>
-          </a:p>
-          <a:p>
-            <a:pPr>
-              <a:spcAft>
-                <a:spcPts val="1800"/>
-              </a:spcAft>
-            </a:pPr>
-            <a:endParaRPr lang="en-US" sz="3000"/>
-          </a:p>
-          <a:p>
-            <a:pPr>
-              <a:spcAft>
-                <a:spcPts val="1800"/>
-              </a:spcAft>
-            </a:pPr>
-            <a:r>
-              <a:rPr lang="en-US" sz="2800" b="1"/>
-              <a:t>Figure 3: In-Memory Experiment</a:t>
-            </a:r>
-            <a:endParaRPr lang="en-US" sz="2800"/>
-          </a:p>
-          <a:p>
-            <a:pPr>
-              <a:spcAft>
-                <a:spcPts val="1800"/>
-              </a:spcAft>
-            </a:pPr>
-            <a:endParaRPr lang="en-US" sz="3000"/>
-          </a:p>
-        </p:txBody>
-      </p:sp>
-      <p:sp>
-        <p:nvSpPr>
-          <p:cNvPr id="14" name="TextBox 13"/>
-          <p:cNvSpPr txBox="1"/>
-          <p:nvPr/>
-        </p:nvSpPr>
-        <p:spPr>
-          <a:xfrm>
-            <a:off x="22224885" y="11996847"/>
-            <a:ext cx="9222475" cy="13512801"/>
-          </a:xfrm>
-          <a:prstGeom prst="rect">
-            <a:avLst/>
-          </a:prstGeom>
-          <a:noFill/>
-        </p:spPr>
-        <p:txBody>
-          <a:bodyPr wrap="square" rtlCol="0" anchor="t">
-            <a:noAutofit/>
-          </a:bodyPr>
-          <a:lstStyle/>
-          <a:p>
-            <a:pPr>
-              <a:spcAft>
-                <a:spcPts val="1800"/>
-              </a:spcAft>
-            </a:pPr>
-            <a:r>
-              <a:rPr lang="en-US" sz="2800" b="1"/>
-              <a:t>Figure 4: PGA Experiment</a:t>
-            </a:r>
-          </a:p>
-          <a:p>
-            <a:pPr>
-              <a:spcAft>
-                <a:spcPts val="1800"/>
-              </a:spcAft>
-            </a:pPr>
-            <a:r>
-              <a:rPr lang="en-US" sz="3600" b="1">
-                <a:solidFill>
-                  <a:srgbClr val="5D87A1"/>
-                </a:solidFill>
-              </a:rPr>
-              <a:t>Overall Results</a:t>
-            </a:r>
-            <a:endParaRPr lang="en-US" sz="3600" b="1"/>
+              <a:t>Team Members:</a:t>
+            </a:r>
           </a:p>
           <a:p>
             <a:pPr marL="457200" indent="-457200">
@@ -4464,85 +4131,125 @@
               <a:buChar char="•"/>
             </a:pPr>
             <a:r>
-              <a:rPr lang="en-US" sz="3000" err="1"/>
-              <a:t>Nullam</a:t>
-            </a:r>
-            <a:r>
+              <a:rPr lang="en-US" sz="3000" err="1">
+                <a:solidFill>
+                  <a:schemeClr val="bg1"/>
+                </a:solidFill>
+              </a:rPr>
+              <a:t>Nic</a:t>
+            </a:r>
+            <a:r>
+              <a:rPr lang="en-US" sz="3000">
+                <a:solidFill>
+                  <a:schemeClr val="bg1"/>
+                </a:solidFill>
+              </a:rPr>
+              <a:t> </a:t>
+            </a:r>
+            <a:r>
+              <a:rPr lang="en-US" sz="3000" err="1">
+                <a:solidFill>
+                  <a:schemeClr val="bg1"/>
+                </a:solidFill>
+              </a:rPr>
+              <a:t>Desilets</a:t>
+            </a:r>
+            <a:r>
+              <a:rPr lang="en-US" sz="3000" b="1">
+                <a:solidFill>
+                  <a:srgbClr val="FFFFFF"/>
+                </a:solidFill>
+                <a:latin typeface="Trebuchet MS"/>
+              </a:rPr>
+              <a:t> </a:t>
+            </a:r>
+            <a:br>
+              <a:rPr lang="en-US" sz="3000" b="1">
+                <a:latin typeface="Trebuchet MS"/>
+              </a:rPr>
+            </a:br>
+            <a:r>
+              <a:rPr lang="en-US" sz="3000">
+                <a:solidFill>
+                  <a:schemeClr val="bg1"/>
+                </a:solidFill>
+              </a:rPr>
+              <a:t>desiletn@oregonstate.edu</a:t>
+            </a:r>
+            <a:br>
               <a:rPr lang="en-US" sz="3000"/>
-              <a:t> </a:t>
-            </a:r>
-            <a:r>
-              <a:rPr lang="en-US" sz="3000" err="1"/>
-              <a:t>vehicula</a:t>
-            </a:r>
-            <a:r>
+            </a:br>
+            <a:r>
+              <a:rPr lang="en-US" sz="3000" b="1">
+                <a:solidFill>
+                  <a:srgbClr val="FFFFFF"/>
+                </a:solidFill>
+                <a:latin typeface="Trebuchet MS"/>
+              </a:rPr>
+              <a:t>Applied CS: Web &amp; Mobile Development</a:t>
+            </a:r>
+          </a:p>
+          <a:p>
+            <a:pPr marL="571500" indent="-571500">
+              <a:spcAft>
+                <a:spcPts val="1800"/>
+              </a:spcAft>
+              <a:buFont typeface="Arial" panose="020B0604020202020204" pitchFamily="34" charset="0"/>
+              <a:buChar char="•"/>
+            </a:pPr>
+            <a:r>
+              <a:rPr lang="en-US" sz="3000">
+                <a:solidFill>
+                  <a:schemeClr val="bg1"/>
+                </a:solidFill>
+              </a:rPr>
+              <a:t>Nathaniel Whitlock</a:t>
+            </a:r>
+            <a:br>
               <a:rPr lang="en-US" sz="3000"/>
-              <a:t> </a:t>
-            </a:r>
-            <a:r>
-              <a:rPr lang="en-US" sz="3000" err="1"/>
-              <a:t>luctus</a:t>
-            </a:r>
-            <a:r>
+            </a:br>
+            <a:r>
+              <a:rPr lang="en-US" sz="3000">
+                <a:solidFill>
+                  <a:srgbClr val="FFFFFF"/>
+                </a:solidFill>
+              </a:rPr>
+              <a:t>whitlocn@oregonstate.edu </a:t>
+            </a:r>
+            <a:br>
               <a:rPr lang="en-US" sz="3000"/>
-              <a:t> </a:t>
-            </a:r>
-            <a:r>
-              <a:rPr lang="en-US" sz="3000" err="1"/>
-              <a:t>augue</a:t>
-            </a:r>
-            <a:r>
-              <a:rPr lang="en-US" sz="3000"/>
-              <a:t>, </a:t>
-            </a:r>
-            <a:r>
-              <a:rPr lang="en-US" sz="3000" err="1"/>
-              <a:t>rutrum</a:t>
-            </a:r>
-            <a:r>
-              <a:rPr lang="en-US" sz="3000"/>
-              <a:t> </a:t>
-            </a:r>
-            <a:r>
-              <a:rPr lang="en-US" sz="3000" err="1"/>
-              <a:t>faucibus</a:t>
-            </a:r>
-            <a:r>
-              <a:rPr lang="en-US" sz="3000"/>
-              <a:t> </a:t>
-            </a:r>
-            <a:r>
-              <a:rPr lang="en-US" sz="3000" err="1"/>
-              <a:t>massa</a:t>
-            </a:r>
-            <a:r>
-              <a:rPr lang="en-US" sz="3000"/>
-              <a:t> pharetra </a:t>
-            </a:r>
-            <a:r>
-              <a:rPr lang="en-US" sz="3000" err="1"/>
-              <a:t>eu</a:t>
-            </a:r>
-            <a:r>
-              <a:rPr lang="en-US" sz="3000"/>
-              <a:t>. </a:t>
-            </a:r>
-            <a:r>
-              <a:rPr lang="en-US" sz="3000" err="1"/>
-              <a:t>Nulla</a:t>
-            </a:r>
-            <a:r>
-              <a:rPr lang="en-US" sz="3000"/>
-              <a:t> </a:t>
-            </a:r>
-            <a:r>
-              <a:rPr lang="en-US" sz="3000" err="1"/>
-              <a:t>facilisi</a:t>
-            </a:r>
-            <a:r>
-              <a:rPr lang="en-US" sz="3000"/>
-              <a:t>. </a:t>
-            </a:r>
+            </a:br>
+            <a:r>
+              <a:rPr lang="en-US" sz="3000" b="1">
+                <a:solidFill>
+                  <a:srgbClr val="FFFFFF"/>
+                </a:solidFill>
+              </a:rPr>
+              <a:t>Applied CS: Bioinformatics</a:t>
+            </a:r>
+            <a:endParaRPr lang="en-US" sz="3000" b="1">
+              <a:latin typeface="Trebuchet MS"/>
+            </a:endParaRPr>
+          </a:p>
+          <a:p>
+            <a:pPr>
+              <a:spcAft>
+                <a:spcPts val="1800"/>
+              </a:spcAft>
+            </a:pPr>
+            <a:r>
+              <a:rPr lang="en-US" sz="3600" b="1">
+                <a:solidFill>
+                  <a:srgbClr val="F37321"/>
+                </a:solidFill>
+              </a:rPr>
+              <a:t>Clients:</a:t>
+            </a:r>
+            <a:endParaRPr lang="en-US" sz="3200" b="1">
+              <a:solidFill>
+                <a:srgbClr val="F37321"/>
+              </a:solidFill>
+            </a:endParaRPr>
           </a:p>
           <a:p>
             <a:pPr marL="457200" indent="-457200">
@@ -4553,124 +4260,23 @@
               <a:buChar char="•"/>
             </a:pPr>
             <a:r>
-              <a:rPr lang="en-US" sz="3000" err="1"/>
-              <a:t>Sed</a:t>
-            </a:r>
-            <a:r>
+              <a:rPr lang="en-US" sz="3000">
+                <a:solidFill>
+                  <a:schemeClr val="bg1"/>
+                </a:solidFill>
+              </a:rPr>
+              <a:t>Kirby Sand</a:t>
+            </a:r>
+            <a:br>
               <a:rPr lang="en-US" sz="3000"/>
-              <a:t> </a:t>
-            </a:r>
-            <a:r>
-              <a:rPr lang="en-US" sz="3000" err="1"/>
-              <a:t>posuere</a:t>
-            </a:r>
-            <a:r>
-              <a:rPr lang="en-US" sz="3000"/>
-              <a:t> gravida </a:t>
-            </a:r>
-            <a:r>
-              <a:rPr lang="en-US" sz="3000" err="1"/>
-              <a:t>felis</a:t>
-            </a:r>
-            <a:r>
-              <a:rPr lang="en-US" sz="3000"/>
-              <a:t>, </a:t>
-            </a:r>
-            <a:r>
-              <a:rPr lang="en-US" sz="3000" err="1"/>
-              <a:t>sed</a:t>
-            </a:r>
-            <a:r>
-              <a:rPr lang="en-US" sz="3000"/>
-              <a:t> pulvinar </a:t>
-            </a:r>
-            <a:r>
-              <a:rPr lang="en-US" sz="3000" err="1"/>
-              <a:t>urna</a:t>
-            </a:r>
-            <a:r>
-              <a:rPr lang="en-US" sz="3000"/>
-              <a:t> </a:t>
-            </a:r>
-            <a:r>
-              <a:rPr lang="en-US" sz="3000" err="1"/>
-              <a:t>suscipit</a:t>
-            </a:r>
-            <a:r>
-              <a:rPr lang="en-US" sz="3000"/>
-              <a:t> et. </a:t>
-            </a:r>
-            <a:r>
-              <a:rPr lang="en-US" sz="3000" err="1"/>
-              <a:t>Suspendisse</a:t>
-            </a:r>
-            <a:r>
-              <a:rPr lang="en-US" sz="3000"/>
-              <a:t> </a:t>
-            </a:r>
-            <a:r>
-              <a:rPr lang="en-US" sz="3000" err="1"/>
-              <a:t>diam</a:t>
-            </a:r>
-            <a:r>
-              <a:rPr lang="en-US" sz="3000"/>
-              <a:t> </a:t>
-            </a:r>
-            <a:r>
-              <a:rPr lang="en-US" sz="3000" err="1"/>
-              <a:t>tortor</a:t>
-            </a:r>
-            <a:r>
-              <a:rPr lang="en-US" sz="3000"/>
-              <a:t>, </a:t>
-            </a:r>
-            <a:r>
-              <a:rPr lang="en-US" sz="3000" err="1"/>
-              <a:t>mollis</a:t>
-            </a:r>
-            <a:r>
-              <a:rPr lang="en-US" sz="3000"/>
-              <a:t> </a:t>
-            </a:r>
-            <a:r>
-              <a:rPr lang="en-US" sz="3000" err="1"/>
-              <a:t>eu</a:t>
-            </a:r>
-            <a:r>
-              <a:rPr lang="en-US" sz="3000"/>
-              <a:t> </a:t>
-            </a:r>
-            <a:r>
-              <a:rPr lang="en-US" sz="3000" err="1"/>
-              <a:t>accumsan</a:t>
-            </a:r>
-            <a:r>
-              <a:rPr lang="en-US" sz="3000"/>
-              <a:t> </a:t>
-            </a:r>
-            <a:r>
-              <a:rPr lang="en-US" sz="3000" err="1"/>
-              <a:t>eget</a:t>
-            </a:r>
-            <a:r>
-              <a:rPr lang="en-US" sz="3000"/>
-              <a:t>, </a:t>
-            </a:r>
-            <a:r>
-              <a:rPr lang="en-US" sz="3000" err="1"/>
-              <a:t>elementum</a:t>
-            </a:r>
-            <a:r>
-              <a:rPr lang="en-US" sz="3000"/>
-              <a:t> id </a:t>
-            </a:r>
-            <a:r>
-              <a:rPr lang="en-US" sz="3000" err="1"/>
-              <a:t>justo</a:t>
-            </a:r>
-            <a:r>
-              <a:rPr lang="en-US" sz="3000"/>
-              <a:t>. </a:t>
+            </a:br>
+            <a:r>
+              <a:rPr lang="en-US" sz="3000" b="1">
+                <a:solidFill>
+                  <a:schemeClr val="bg1"/>
+                </a:solidFill>
+              </a:rPr>
+              <a:t>Data Analyst</a:t>
             </a:r>
           </a:p>
           <a:p>
@@ -4682,52 +4288,38 @@
               <a:buChar char="•"/>
             </a:pPr>
             <a:r>
-              <a:rPr lang="en-US" sz="3000" err="1"/>
-              <a:t>Vivamus</a:t>
-            </a:r>
-            <a:r>
+              <a:rPr lang="en-US" sz="3000">
+                <a:solidFill>
+                  <a:schemeClr val="bg1"/>
+                </a:solidFill>
+              </a:rPr>
+              <a:t>Andy Weiss</a:t>
+            </a:r>
+            <a:br>
               <a:rPr lang="en-US" sz="3000"/>
-              <a:t> pulvinar </a:t>
-            </a:r>
-            <a:r>
-              <a:rPr lang="en-US" sz="3000" err="1"/>
-              <a:t>varius</a:t>
-            </a:r>
-            <a:r>
-              <a:rPr lang="en-US" sz="3000"/>
-              <a:t> </a:t>
-            </a:r>
-            <a:r>
-              <a:rPr lang="en-US" sz="3000" err="1"/>
-              <a:t>lacus</a:t>
-            </a:r>
-            <a:r>
-              <a:rPr lang="en-US" sz="3000"/>
-              <a:t>, </a:t>
-            </a:r>
-            <a:r>
-              <a:rPr lang="en-US" sz="3000" err="1"/>
-              <a:t>vel</a:t>
-            </a:r>
-            <a:r>
-              <a:rPr lang="en-US" sz="3000"/>
-              <a:t> </a:t>
-            </a:r>
-            <a:r>
-              <a:rPr lang="en-US" sz="3000" err="1"/>
-              <a:t>egestas</a:t>
-            </a:r>
-            <a:r>
-              <a:rPr lang="en-US" sz="3000"/>
-              <a:t> ligula gravida </a:t>
-            </a:r>
-            <a:r>
-              <a:rPr lang="en-US" sz="3000" err="1"/>
-              <a:t>volutpat</a:t>
-            </a:r>
-            <a:r>
-              <a:rPr lang="en-US" sz="3000"/>
-              <a:t>. </a:t>
+            </a:br>
+            <a:r>
+              <a:rPr lang="en-US" sz="3000" b="1">
+                <a:solidFill>
+                  <a:schemeClr val="bg1"/>
+                </a:solidFill>
+              </a:rPr>
+              <a:t>Database Administrator</a:t>
+            </a:r>
+          </a:p>
+          <a:p>
+            <a:pPr>
+              <a:spcAft>
+                <a:spcPts val="1800"/>
+              </a:spcAft>
+            </a:pPr>
+            <a:r>
+              <a:rPr lang="en-US" sz="3600" b="1">
+                <a:solidFill>
+                  <a:srgbClr val="F37321"/>
+                </a:solidFill>
+              </a:rPr>
+              <a:t>Affiliation:</a:t>
             </a:r>
           </a:p>
           <a:p>
@@ -4739,85 +4331,52 @@
               <a:buChar char="•"/>
             </a:pPr>
             <a:r>
-              <a:rPr lang="en-US" sz="3000" err="1"/>
-              <a:t>Aliquam</a:t>
-            </a:r>
-            <a:r>
+              <a:rPr lang="en-US" sz="3000">
+                <a:solidFill>
+                  <a:schemeClr val="bg1"/>
+                </a:solidFill>
+              </a:rPr>
+              <a:t>Hewlett-Packard Inc.</a:t>
+            </a:r>
+            <a:br>
               <a:rPr lang="en-US" sz="3000"/>
-              <a:t> </a:t>
-            </a:r>
-            <a:r>
-              <a:rPr lang="en-US" sz="3000" err="1"/>
-              <a:t>varius</a:t>
-            </a:r>
-            <a:r>
-              <a:rPr lang="en-US" sz="3000"/>
-              <a:t> </a:t>
-            </a:r>
-            <a:r>
-              <a:rPr lang="en-US" sz="3000" err="1"/>
-              <a:t>augue</a:t>
-            </a:r>
-            <a:r>
-              <a:rPr lang="en-US" sz="3000"/>
-              <a:t> at dui pulvinar </a:t>
-            </a:r>
-            <a:r>
-              <a:rPr lang="en-US" sz="3000" err="1"/>
-              <a:t>iaculis</a:t>
-            </a:r>
-            <a:r>
-              <a:rPr lang="en-US" sz="3000"/>
-              <a:t>. </a:t>
-            </a:r>
-            <a:r>
-              <a:rPr lang="en-US" sz="3000" err="1"/>
-              <a:t>Nullam</a:t>
-            </a:r>
-            <a:r>
-              <a:rPr lang="en-US" sz="3000"/>
-              <a:t> a </a:t>
-            </a:r>
-            <a:r>
-              <a:rPr lang="en-US" sz="3000" err="1"/>
-              <a:t>nisl</a:t>
-            </a:r>
-            <a:r>
-              <a:rPr lang="en-US" sz="3000"/>
-              <a:t> </a:t>
-            </a:r>
-            <a:r>
-              <a:rPr lang="en-US" sz="3000" err="1"/>
-              <a:t>quam</a:t>
-            </a:r>
-            <a:r>
-              <a:rPr lang="en-US" sz="3000"/>
-              <a:t>, </a:t>
-            </a:r>
-            <a:r>
-              <a:rPr lang="en-US" sz="3000" err="1"/>
-              <a:t>quis</a:t>
-            </a:r>
-            <a:r>
-              <a:rPr lang="en-US" sz="3000"/>
-              <a:t> </a:t>
-            </a:r>
-            <a:r>
-              <a:rPr lang="en-US" sz="3000" err="1"/>
-              <a:t>lacinia</a:t>
-            </a:r>
-            <a:r>
-              <a:rPr lang="en-US" sz="3000"/>
-              <a:t> </a:t>
-            </a:r>
-            <a:r>
-              <a:rPr lang="en-US" sz="3000" err="1"/>
-              <a:t>augue</a:t>
-            </a:r>
-            <a:r>
-              <a:rPr lang="en-US" sz="3000"/>
-              <a:t>. </a:t>
-            </a:r>
+            </a:br>
+            <a:r>
+              <a:rPr lang="en-US" sz="3000" err="1">
+                <a:solidFill>
+                  <a:schemeClr val="bg1"/>
+                </a:solidFill>
+              </a:rPr>
+              <a:t>PageWide</a:t>
+            </a:r>
+            <a:r>
+              <a:rPr lang="en-US" sz="3000">
+                <a:solidFill>
+                  <a:schemeClr val="bg1"/>
+                </a:solidFill>
+              </a:rPr>
+              <a:t> Web Press</a:t>
+            </a:r>
+          </a:p>
+          <a:p>
+            <a:pPr>
+              <a:spcAft>
+                <a:spcPts val="1800"/>
+              </a:spcAft>
+            </a:pPr>
+            <a:r>
+              <a:rPr lang="en-US" sz="3200" b="1">
+                <a:solidFill>
+                  <a:srgbClr val="F37321"/>
+                </a:solidFill>
+              </a:rPr>
+              <a:t>Outcomes:</a:t>
+            </a:r>
+            <a:endParaRPr lang="en-US" sz="3000">
+              <a:solidFill>
+                <a:schemeClr val="bg1"/>
+              </a:solidFill>
+            </a:endParaRPr>
           </a:p>
           <a:p>
             <a:pPr marL="457200" indent="-457200">
@@ -4828,64 +4387,46 @@
               <a:buChar char="•"/>
             </a:pPr>
             <a:r>
-              <a:rPr lang="en-US" sz="3000"/>
-              <a:t>Nam </a:t>
-            </a:r>
-            <a:r>
-              <a:rPr lang="en-US" sz="3000" err="1"/>
-              <a:t>tristique</a:t>
-            </a:r>
-            <a:r>
-              <a:rPr lang="en-US" sz="3000"/>
-              <a:t> </a:t>
-            </a:r>
-            <a:r>
-              <a:rPr lang="en-US" sz="3000" err="1"/>
-              <a:t>porttitor</a:t>
-            </a:r>
-            <a:r>
-              <a:rPr lang="en-US" sz="3000"/>
-              <a:t> </a:t>
-            </a:r>
-            <a:r>
-              <a:rPr lang="en-US" sz="3000" err="1"/>
-              <a:t>quam</a:t>
-            </a:r>
-            <a:r>
-              <a:rPr lang="en-US" sz="3000"/>
-              <a:t>, in </a:t>
-            </a:r>
-            <a:r>
-              <a:rPr lang="en-US" sz="3000" err="1"/>
-              <a:t>consequat</a:t>
-            </a:r>
-            <a:r>
-              <a:rPr lang="en-US" sz="3000"/>
-              <a:t> </a:t>
-            </a:r>
-            <a:r>
-              <a:rPr lang="en-US" sz="3000" err="1"/>
-              <a:t>urna</a:t>
-            </a:r>
-            <a:r>
-              <a:rPr lang="en-US" sz="3000"/>
-              <a:t> </a:t>
-            </a:r>
-            <a:r>
-              <a:rPr lang="en-US" sz="3000" err="1"/>
-              <a:t>condimentum</a:t>
-            </a:r>
-            <a:r>
-              <a:rPr lang="en-US" sz="3000"/>
-              <a:t> </a:t>
-            </a:r>
-            <a:r>
-              <a:rPr lang="en-US" sz="3000" err="1"/>
-              <a:t>eu</a:t>
-            </a:r>
-            <a:r>
-              <a:rPr lang="en-US" sz="3000"/>
-              <a:t>. </a:t>
+              <a:rPr lang="en-US" sz="3000">
+                <a:solidFill>
+                  <a:schemeClr val="bg1"/>
+                </a:solidFill>
+              </a:rPr>
+              <a:t>4x speed improvements</a:t>
+            </a:r>
+          </a:p>
+          <a:p>
+            <a:pPr marL="457200" indent="-457200">
+              <a:spcAft>
+                <a:spcPts val="1800"/>
+              </a:spcAft>
+              <a:buFont typeface="Arial"/>
+              <a:buChar char="•"/>
+            </a:pPr>
+            <a:r>
+              <a:rPr lang="en-US" sz="3000">
+                <a:solidFill>
+                  <a:schemeClr val="bg1"/>
+                </a:solidFill>
+              </a:rPr>
+              <a:t>More resource utilization</a:t>
+            </a:r>
+          </a:p>
+          <a:p>
+            <a:pPr marL="457200" indent="-457200">
+              <a:spcAft>
+                <a:spcPts val="1800"/>
+              </a:spcAft>
+              <a:buFont typeface="Arial"/>
+              <a:buChar char="•"/>
+            </a:pPr>
+            <a:r>
+              <a:rPr lang="en-US" sz="3000">
+                <a:solidFill>
+                  <a:schemeClr val="bg1"/>
+                </a:solidFill>
+              </a:rPr>
+              <a:t>Increased query throughput</a:t>
             </a:r>
           </a:p>
           <a:p>
@@ -4895,328 +4436,12 @@
               </a:spcAft>
             </a:pPr>
             <a:r>
-              <a:rPr lang="en-US" sz="3000"/>
-              <a:t>Lorem ipsum dolor sit </a:t>
-            </a:r>
-            <a:r>
-              <a:rPr lang="en-US" sz="3000" err="1"/>
-              <a:t>amet</a:t>
-            </a:r>
-            <a:r>
-              <a:rPr lang="en-US" sz="3000"/>
-              <a:t>, </a:t>
-            </a:r>
-            <a:r>
-              <a:rPr lang="en-US" sz="3000" err="1"/>
-              <a:t>consectetur</a:t>
-            </a:r>
-            <a:r>
-              <a:rPr lang="en-US" sz="3000"/>
-              <a:t> </a:t>
-            </a:r>
-            <a:r>
-              <a:rPr lang="en-US" sz="3000" err="1"/>
-              <a:t>adipiscing</a:t>
-            </a:r>
-            <a:r>
-              <a:rPr lang="en-US" sz="3000"/>
-              <a:t> </a:t>
-            </a:r>
-            <a:r>
-              <a:rPr lang="en-US" sz="3000" err="1"/>
-              <a:t>elit</a:t>
-            </a:r>
-            <a:r>
-              <a:rPr lang="en-US" sz="3000"/>
-              <a:t>. </a:t>
-            </a:r>
-            <a:r>
-              <a:rPr lang="en-US" sz="3000" err="1"/>
-              <a:t>Nulla</a:t>
-            </a:r>
-            <a:r>
-              <a:rPr lang="en-US" sz="3000"/>
-              <a:t> </a:t>
-            </a:r>
-            <a:r>
-              <a:rPr lang="en-US" sz="3000" err="1"/>
-              <a:t>facilisi</a:t>
-            </a:r>
-            <a:r>
-              <a:rPr lang="en-US" sz="3000"/>
-              <a:t>. Maecenas </a:t>
-            </a:r>
-            <a:r>
-              <a:rPr lang="en-US" sz="3000" err="1"/>
-              <a:t>feugiat</a:t>
-            </a:r>
-            <a:r>
-              <a:rPr lang="en-US" sz="3000"/>
-              <a:t> </a:t>
-            </a:r>
-            <a:r>
-              <a:rPr lang="en-US" sz="3000" err="1"/>
-              <a:t>bibendum</a:t>
-            </a:r>
-            <a:r>
-              <a:rPr lang="en-US" sz="3000"/>
-              <a:t> convallis. </a:t>
-            </a:r>
-            <a:r>
-              <a:rPr lang="en-US" sz="3000" err="1"/>
-              <a:t>Praesent</a:t>
-            </a:r>
-            <a:r>
-              <a:rPr lang="en-US" sz="3000"/>
-              <a:t> et dui </a:t>
-            </a:r>
-            <a:r>
-              <a:rPr lang="en-US" sz="3000" err="1"/>
-              <a:t>mauris</a:t>
-            </a:r>
-            <a:r>
-              <a:rPr lang="en-US" sz="3000"/>
-              <a:t>, </a:t>
-            </a:r>
-            <a:r>
-              <a:rPr lang="en-US" sz="3000" err="1"/>
-              <a:t>ullamcorper</a:t>
-            </a:r>
-            <a:r>
-              <a:rPr lang="en-US" sz="3000"/>
-              <a:t> semper </a:t>
-            </a:r>
-            <a:r>
-              <a:rPr lang="en-US" sz="3000" err="1"/>
-              <a:t>justo</a:t>
-            </a:r>
-            <a:r>
-              <a:rPr lang="en-US" sz="3000"/>
-              <a:t>. </a:t>
-            </a:r>
-            <a:r>
-              <a:rPr lang="en-US" sz="3000" err="1"/>
-              <a:t>Curabitur</a:t>
-            </a:r>
-            <a:r>
-              <a:rPr lang="en-US" sz="3000"/>
-              <a:t> sit </a:t>
-            </a:r>
-            <a:r>
-              <a:rPr lang="en-US" sz="3000" err="1"/>
-              <a:t>amet</a:t>
-            </a:r>
-            <a:r>
-              <a:rPr lang="en-US" sz="3000"/>
-              <a:t> </a:t>
-            </a:r>
-            <a:r>
-              <a:rPr lang="en-US" sz="3000" err="1"/>
-              <a:t>orci</a:t>
-            </a:r>
-            <a:r>
-              <a:rPr lang="en-US" sz="3000"/>
-              <a:t> non magna </a:t>
-            </a:r>
-            <a:r>
-              <a:rPr lang="en-US" sz="3000" err="1"/>
-              <a:t>mattis</a:t>
-            </a:r>
-            <a:r>
-              <a:rPr lang="en-US" sz="3000"/>
-              <a:t> </a:t>
-            </a:r>
-            <a:r>
-              <a:rPr lang="en-US" sz="3000" err="1"/>
-              <a:t>accumsan</a:t>
-            </a:r>
-            <a:r>
-              <a:rPr lang="en-US" sz="3000"/>
-              <a:t> </a:t>
-            </a:r>
-            <a:r>
-              <a:rPr lang="en-US" sz="3000" err="1"/>
-              <a:t>quis</a:t>
-            </a:r>
-            <a:r>
-              <a:rPr lang="en-US" sz="3000"/>
-              <a:t> </a:t>
-            </a:r>
-            <a:r>
-              <a:rPr lang="en-US" sz="3000" err="1"/>
-              <a:t>vel</a:t>
-            </a:r>
-            <a:r>
-              <a:rPr lang="en-US" sz="3000"/>
-              <a:t> sem. Duis </a:t>
-            </a:r>
-            <a:r>
-              <a:rPr lang="en-US" sz="3000" err="1"/>
-              <a:t>leo</a:t>
-            </a:r>
-            <a:r>
-              <a:rPr lang="en-US" sz="3000"/>
-              <a:t> </a:t>
-            </a:r>
-            <a:r>
-              <a:rPr lang="en-US" sz="3000" err="1"/>
-              <a:t>massa</a:t>
-            </a:r>
-            <a:r>
-              <a:rPr lang="en-US" sz="3000"/>
-              <a:t>, </a:t>
-            </a:r>
-            <a:r>
-              <a:rPr lang="en-US" sz="3000" err="1"/>
-              <a:t>tristique</a:t>
-            </a:r>
-            <a:r>
-              <a:rPr lang="en-US" sz="3000"/>
-              <a:t> a </a:t>
-            </a:r>
-            <a:r>
-              <a:rPr lang="en-US" sz="3000" err="1"/>
-              <a:t>porttitor</a:t>
-            </a:r>
-            <a:r>
-              <a:rPr lang="en-US" sz="3000"/>
-              <a:t> id, </a:t>
-            </a:r>
-            <a:r>
-              <a:rPr lang="en-US" sz="3000" err="1"/>
-              <a:t>mattis</a:t>
-            </a:r>
-            <a:r>
-              <a:rPr lang="en-US" sz="3000"/>
-              <a:t> in </a:t>
-            </a:r>
-            <a:r>
-              <a:rPr lang="en-US" sz="3000" err="1"/>
-              <a:t>velit</a:t>
-            </a:r>
-            <a:r>
-              <a:rPr lang="en-US" sz="3000"/>
-              <a:t>. </a:t>
-            </a:r>
-            <a:r>
-              <a:rPr lang="en-US" sz="3000" err="1"/>
-              <a:t>Aliquam</a:t>
-            </a:r>
-            <a:r>
-              <a:rPr lang="en-US" sz="3000"/>
-              <a:t> </a:t>
-            </a:r>
-            <a:r>
-              <a:rPr lang="en-US" sz="3000" err="1"/>
-              <a:t>vel</a:t>
-            </a:r>
-            <a:r>
-              <a:rPr lang="en-US" sz="3000"/>
-              <a:t> </a:t>
-            </a:r>
-            <a:r>
-              <a:rPr lang="en-US" sz="3000" err="1"/>
-              <a:t>tortor</a:t>
-            </a:r>
-            <a:r>
-              <a:rPr lang="en-US" sz="3000"/>
-              <a:t> </a:t>
-            </a:r>
-            <a:r>
-              <a:rPr lang="en-US" sz="3000" err="1"/>
-              <a:t>quam</a:t>
-            </a:r>
-            <a:r>
-              <a:rPr lang="en-US" sz="3000"/>
-              <a:t>, ac </a:t>
-            </a:r>
-            <a:r>
-              <a:rPr lang="en-US" sz="3000" err="1"/>
-              <a:t>porttitor</a:t>
-            </a:r>
-            <a:r>
-              <a:rPr lang="en-US" sz="3000"/>
-              <a:t> </a:t>
-            </a:r>
-            <a:r>
-              <a:rPr lang="en-US" sz="3000" err="1"/>
-              <a:t>metus</a:t>
-            </a:r>
-            <a:r>
-              <a:rPr lang="en-US" sz="3000"/>
-              <a:t>. </a:t>
-            </a:r>
-            <a:r>
-              <a:rPr lang="en-US" sz="3000" err="1"/>
-              <a:t>Suspendisse</a:t>
-            </a:r>
-            <a:r>
-              <a:rPr lang="en-US" sz="3000"/>
-              <a:t> et dui diam. </a:t>
-            </a:r>
-            <a:r>
-              <a:rPr lang="en-US" sz="3000" err="1"/>
-              <a:t>Quisque</a:t>
-            </a:r>
-            <a:r>
-              <a:rPr lang="en-US" sz="3000"/>
-              <a:t> </a:t>
-            </a:r>
-            <a:r>
-              <a:rPr lang="en-US" sz="3000" err="1"/>
-              <a:t>posuere</a:t>
-            </a:r>
-            <a:r>
-              <a:rPr lang="en-US" sz="3000"/>
-              <a:t> </a:t>
-            </a:r>
-            <a:r>
-              <a:rPr lang="en-US" sz="3000" err="1"/>
-              <a:t>diam</a:t>
-            </a:r>
-            <a:r>
-              <a:rPr lang="en-US" sz="3000"/>
-              <a:t> </a:t>
-            </a:r>
-            <a:r>
-              <a:rPr lang="en-US" sz="3000" err="1"/>
-              <a:t>hendrerit</a:t>
-            </a:r>
-            <a:r>
-              <a:rPr lang="en-US" sz="3000"/>
-              <a:t> ipsum </a:t>
-            </a:r>
-            <a:r>
-              <a:rPr lang="en-US" sz="3000" err="1"/>
-              <a:t>condimentum</a:t>
-            </a:r>
-            <a:r>
-              <a:rPr lang="en-US" sz="3000"/>
-              <a:t> </a:t>
-            </a:r>
-            <a:r>
-              <a:rPr lang="en-US" sz="3000" err="1"/>
-              <a:t>nec</a:t>
-            </a:r>
-            <a:r>
-              <a:rPr lang="en-US" sz="3000"/>
-              <a:t> convallis </a:t>
-            </a:r>
-            <a:r>
-              <a:rPr lang="en-US" sz="3000" err="1"/>
-              <a:t>massa</a:t>
-            </a:r>
-            <a:r>
-              <a:rPr lang="en-US" sz="3000"/>
-              <a:t> </a:t>
-            </a:r>
-            <a:r>
-              <a:rPr lang="en-US" sz="3000" err="1"/>
-              <a:t>congue</a:t>
-            </a:r>
-            <a:r>
-              <a:rPr lang="en-US" sz="3000"/>
-              <a:t>. </a:t>
+              <a:rPr lang="en-US" sz="3000">
+                <a:solidFill>
+                  <a:srgbClr val="FFFFFF"/>
+                </a:solidFill>
+              </a:rPr>
+              <a:t>In conclusion, we saw significant performance increases by optimizing database system resource usage and taking advantage of some new features found in Oracle 12c. This was accomplished by increasing PGA workspace size, enabling In-Memory Column Store, and enabling Automatic Big Table Caching.</a:t>
             </a:r>
           </a:p>
           <a:p>
@@ -5225,7 +4450,11 @@
                 <a:spcPts val="1800"/>
               </a:spcAft>
             </a:pPr>
-            <a:endParaRPr lang="en-US" sz="3000"/>
+            <a:endParaRPr lang="en-US" sz="3000">
+              <a:solidFill>
+                <a:srgbClr val="FFFFFF"/>
+              </a:solidFill>
+            </a:endParaRPr>
           </a:p>
           <a:p>
             <a:pPr>
@@ -5233,7 +4462,11 @@
                 <a:spcPts val="1800"/>
               </a:spcAft>
             </a:pPr>
-            <a:endParaRPr lang="en-US" sz="3000"/>
+            <a:endParaRPr lang="en-US" sz="3000">
+              <a:solidFill>
+                <a:schemeClr val="bg1"/>
+              </a:solidFill>
+            </a:endParaRPr>
           </a:p>
           <a:p>
             <a:pPr>
@@ -5241,7 +4474,11 @@
                 <a:spcPts val="1800"/>
               </a:spcAft>
             </a:pPr>
-            <a:endParaRPr lang="en-US" sz="3000"/>
+            <a:endParaRPr lang="en-US" sz="3000">
+              <a:solidFill>
+                <a:schemeClr val="bg1"/>
+              </a:solidFill>
+            </a:endParaRPr>
           </a:p>
           <a:p>
             <a:pPr>
@@ -5249,109 +4486,59 @@
                 <a:spcPts val="1800"/>
               </a:spcAft>
             </a:pPr>
-            <a:endParaRPr lang="en-US" sz="3000"/>
-          </a:p>
-          <a:p>
-            <a:pPr>
+            <a:endParaRPr lang="en-US" sz="3000">
+              <a:solidFill>
+                <a:schemeClr val="bg1"/>
+              </a:solidFill>
+            </a:endParaRPr>
+          </a:p>
+          <a:p>
+            <a:pPr marL="457200" indent="-457200">
               <a:spcAft>
                 <a:spcPts val="1800"/>
               </a:spcAft>
+              <a:buFont typeface="Arial" panose="020B0604020202020204" pitchFamily="34" charset="0"/>
+              <a:buChar char="•"/>
             </a:pPr>
-            <a:endParaRPr lang="en-US" sz="3000"/>
-          </a:p>
-          <a:p>
-            <a:pPr>
+            <a:endParaRPr lang="en-US" sz="3000">
+              <a:solidFill>
+                <a:schemeClr val="bg1"/>
+              </a:solidFill>
+            </a:endParaRPr>
+          </a:p>
+          <a:p>
+            <a:pPr marL="457200" indent="-457200">
               <a:spcAft>
                 <a:spcPts val="1800"/>
               </a:spcAft>
+              <a:buFont typeface="Arial" panose="020B0604020202020204" pitchFamily="34" charset="0"/>
+              <a:buChar char="•"/>
             </a:pPr>
-            <a:endParaRPr lang="en-US" sz="3000"/>
-          </a:p>
-          <a:p>
-            <a:pPr>
-              <a:spcAft>
-                <a:spcPts val="1800"/>
-              </a:spcAft>
-            </a:pPr>
-            <a:endParaRPr lang="en-US" sz="3000"/>
-          </a:p>
-          <a:p>
-            <a:pPr>
-              <a:spcAft>
-                <a:spcPts val="1800"/>
-              </a:spcAft>
-            </a:pPr>
-            <a:endParaRPr lang="en-US" sz="3000"/>
-          </a:p>
-          <a:p>
-            <a:pPr>
-              <a:spcAft>
-                <a:spcPts val="1800"/>
-              </a:spcAft>
-            </a:pPr>
-            <a:endParaRPr lang="en-US" sz="3000"/>
-          </a:p>
-          <a:p>
-            <a:pPr>
-              <a:spcAft>
-                <a:spcPts val="1800"/>
-              </a:spcAft>
-            </a:pPr>
-            <a:endParaRPr lang="en-US" sz="3000"/>
-          </a:p>
-          <a:p>
-            <a:pPr>
-              <a:spcAft>
-                <a:spcPts val="1800"/>
-              </a:spcAft>
-            </a:pPr>
-            <a:endParaRPr lang="en-US" sz="3000"/>
-          </a:p>
-          <a:p>
-            <a:pPr>
-              <a:spcAft>
-                <a:spcPts val="1800"/>
-              </a:spcAft>
-            </a:pPr>
-            <a:r>
-              <a:rPr lang="en-US" sz="2800" b="1"/>
-              <a:t>Figure 4: Summary of Results</a:t>
-            </a:r>
-          </a:p>
-          <a:p>
-            <a:pPr>
-              <a:spcAft>
-                <a:spcPts val="1800"/>
-              </a:spcAft>
-            </a:pPr>
-            <a:endParaRPr lang="en-US" sz="3000"/>
-          </a:p>
-        </p:txBody>
-      </p:sp>
-      <p:sp>
-        <p:nvSpPr>
-          <p:cNvPr id="15" name="Rectangle 14"/>
+            <a:endParaRPr lang="en-US" sz="3000">
+              <a:solidFill>
+                <a:schemeClr val="bg1"/>
+              </a:solidFill>
+            </a:endParaRPr>
+          </a:p>
+        </p:txBody>
+      </p:sp>
+      <p:sp>
+        <p:nvSpPr>
+          <p:cNvPr id="8" name="Oval 7"/>
           <p:cNvSpPr/>
           <p:nvPr/>
         </p:nvSpPr>
         <p:spPr>
           <a:xfrm>
-            <a:off x="22198405" y="24954659"/>
-            <a:ext cx="9222475" cy="6047739"/>
+            <a:off x="33351034" y="28213049"/>
+            <a:ext cx="2865738" cy="2918340"/>
           </a:xfrm>
-          <a:prstGeom prst="rect">
+          <a:prstGeom prst="ellipse">
             <a:avLst/>
           </a:prstGeom>
           <a:solidFill>
-            <a:schemeClr val="accent2">
-              <a:lumMod val="20000"/>
-              <a:lumOff val="80000"/>
-            </a:schemeClr>
+            <a:schemeClr val="bg1"/>
           </a:solidFill>
-          <a:ln>
-            <a:noFill/>
-          </a:ln>
-          <a:effectLst/>
         </p:spPr>
         <p:style>
           <a:lnRef idx="1">
@@ -5378,6 +4565,435 @@
       </p:sp>
       <p:sp>
         <p:nvSpPr>
+          <p:cNvPr id="2" name="Title 1"/>
+          <p:cNvSpPr>
+            <a:spLocks noGrp="1"/>
+          </p:cNvSpPr>
+          <p:nvPr>
+            <p:ph type="ctrTitle" idx="4294967295"/>
+          </p:nvPr>
+        </p:nvSpPr>
+        <p:spPr>
+          <a:xfrm>
+            <a:off x="12469125" y="2483718"/>
+            <a:ext cx="18951755" cy="1365892"/>
+          </a:xfrm>
+        </p:spPr>
+        <p:txBody>
+          <a:bodyPr lIns="0" tIns="0" rIns="0" bIns="0">
+            <a:noAutofit/>
+          </a:bodyPr>
+          <a:lstStyle/>
+          <a:p>
+            <a:pPr algn="l"/>
+            <a:r>
+              <a:rPr lang="en-US" sz="8000" b="1" cap="all"/>
+              <a:t>Big Data Analytics:</a:t>
+            </a:r>
+          </a:p>
+        </p:txBody>
+      </p:sp>
+      <p:sp>
+        <p:nvSpPr>
+          <p:cNvPr id="3" name="Subtitle 2"/>
+          <p:cNvSpPr>
+            <a:spLocks noGrp="1"/>
+          </p:cNvSpPr>
+          <p:nvPr>
+            <p:ph type="subTitle" idx="4294967295"/>
+          </p:nvPr>
+        </p:nvSpPr>
+        <p:spPr>
+          <a:xfrm>
+            <a:off x="12469125" y="3849610"/>
+            <a:ext cx="18951755" cy="1991672"/>
+          </a:xfrm>
+        </p:spPr>
+        <p:txBody>
+          <a:bodyPr lIns="0" tIns="0" rIns="0" bIns="0">
+            <a:normAutofit/>
+          </a:bodyPr>
+          <a:lstStyle/>
+          <a:p>
+            <a:pPr marL="0" indent="0" algn="l">
+              <a:buNone/>
+            </a:pPr>
+            <a:r>
+              <a:rPr lang="en-US" sz="5400">
+                <a:solidFill>
+                  <a:srgbClr val="F37321"/>
+                </a:solidFill>
+              </a:rPr>
+              <a:t>Effects of Memory Management and Parallelism</a:t>
+            </a:r>
+          </a:p>
+        </p:txBody>
+      </p:sp>
+      <p:sp>
+        <p:nvSpPr>
+          <p:cNvPr id="13" name="TextBox 12"/>
+          <p:cNvSpPr txBox="1"/>
+          <p:nvPr/>
+        </p:nvSpPr>
+        <p:spPr>
+          <a:xfrm>
+            <a:off x="12442645" y="5671612"/>
+            <a:ext cx="9222475" cy="26380513"/>
+          </a:xfrm>
+          <a:prstGeom prst="rect">
+            <a:avLst/>
+          </a:prstGeom>
+          <a:noFill/>
+        </p:spPr>
+        <p:txBody>
+          <a:bodyPr wrap="square" rtlCol="0" anchor="t" anchorCtr="0">
+            <a:noAutofit/>
+          </a:bodyPr>
+          <a:lstStyle/>
+          <a:p>
+            <a:pPr>
+              <a:spcAft>
+                <a:spcPts val="1800"/>
+              </a:spcAft>
+            </a:pPr>
+            <a:r>
+              <a:rPr lang="en-US" sz="3600" b="1">
+                <a:solidFill>
+                  <a:srgbClr val="5D87A1"/>
+                </a:solidFill>
+              </a:rPr>
+              <a:t>Program Global Area (PGA) Parameters</a:t>
+            </a:r>
+            <a:br>
+              <a:rPr lang="en-US" sz="3600" b="1"/>
+            </a:br>
+            <a:r>
+              <a:rPr lang="en-US" sz="3000">
+                <a:solidFill>
+                  <a:srgbClr val="000000"/>
+                </a:solidFill>
+              </a:rPr>
+              <a:t>Emphasis</a:t>
+            </a:r>
+            <a:r>
+              <a:rPr lang="en-US" sz="3000"/>
+              <a:t> was placed on both documented and undocumented parameters focused on managing work area size. A specified work area provides the allotment of main memory used to complete an operation such as sort or hash. If a work area size is surpassed, the operation spills to disk to complete the work which causes drastic increase in execution time.</a:t>
+            </a:r>
+          </a:p>
+          <a:p>
+            <a:pPr>
+              <a:spcAft>
+                <a:spcPts val="1800"/>
+              </a:spcAft>
+            </a:pPr>
+            <a:r>
+              <a:rPr lang="en-US" sz="3600" b="1">
+                <a:solidFill>
+                  <a:srgbClr val="5D87A1"/>
+                </a:solidFill>
+              </a:rPr>
+              <a:t>Automatic Big Table Cache</a:t>
+            </a:r>
+            <a:br>
+              <a:rPr lang="en-US" sz="3600" b="1"/>
+            </a:br>
+            <a:r>
+              <a:rPr lang="en-US" sz="3000">
+                <a:solidFill>
+                  <a:srgbClr val="000000"/>
+                </a:solidFill>
+              </a:rPr>
+              <a:t>Oracle</a:t>
+            </a:r>
+            <a:r>
+              <a:rPr lang="en-US" sz="3000">
+                <a:solidFill>
+                  <a:srgbClr val="000000"/>
+                </a:solidFill>
+                <a:latin typeface="Trebuchet MS"/>
+                <a:cs typeface="Arial"/>
+              </a:rPr>
+              <a:t> 12c has a new feature which uses a temperature </a:t>
+            </a:r>
+            <a:r>
+              <a:rPr lang="en-US" sz="3000"/>
+              <a:t>based algorithm to determine which tables considered large should be stored in a cache store located in the SGA. When enabled, stores table after initial scan so benefits are seen upon replicate samples.</a:t>
+            </a:r>
+          </a:p>
+          <a:p>
+            <a:pPr>
+              <a:spcAft>
+                <a:spcPts val="1800"/>
+              </a:spcAft>
+            </a:pPr>
+            <a:endParaRPr lang="en-US" sz="3600" b="1">
+              <a:solidFill>
+                <a:srgbClr val="5D87A1"/>
+              </a:solidFill>
+            </a:endParaRPr>
+          </a:p>
+          <a:p>
+            <a:pPr>
+              <a:spcAft>
+                <a:spcPts val="1800"/>
+              </a:spcAft>
+            </a:pPr>
+            <a:endParaRPr lang="en-US" sz="3600" b="1">
+              <a:solidFill>
+                <a:srgbClr val="5D87A1"/>
+              </a:solidFill>
+            </a:endParaRPr>
+          </a:p>
+          <a:p>
+            <a:pPr>
+              <a:spcAft>
+                <a:spcPts val="1800"/>
+              </a:spcAft>
+            </a:pPr>
+            <a:endParaRPr lang="en-US" sz="3600" b="1">
+              <a:solidFill>
+                <a:srgbClr val="5D87A1"/>
+              </a:solidFill>
+            </a:endParaRPr>
+          </a:p>
+          <a:p>
+            <a:pPr>
+              <a:spcAft>
+                <a:spcPts val="1800"/>
+              </a:spcAft>
+            </a:pPr>
+            <a:endParaRPr lang="en-US" sz="3600" b="1">
+              <a:solidFill>
+                <a:srgbClr val="5D87A1"/>
+              </a:solidFill>
+            </a:endParaRPr>
+          </a:p>
+          <a:p>
+            <a:pPr>
+              <a:spcAft>
+                <a:spcPts val="1800"/>
+              </a:spcAft>
+            </a:pPr>
+            <a:endParaRPr lang="en-US" sz="3600" b="1">
+              <a:solidFill>
+                <a:srgbClr val="5D87A1"/>
+              </a:solidFill>
+            </a:endParaRPr>
+          </a:p>
+          <a:p>
+            <a:pPr>
+              <a:spcAft>
+                <a:spcPts val="1800"/>
+              </a:spcAft>
+            </a:pPr>
+            <a:endParaRPr lang="en-US" sz="3600" b="1">
+              <a:solidFill>
+                <a:srgbClr val="5D87A1"/>
+              </a:solidFill>
+            </a:endParaRPr>
+          </a:p>
+          <a:p>
+            <a:pPr>
+              <a:spcAft>
+                <a:spcPts val="1800"/>
+              </a:spcAft>
+            </a:pPr>
+            <a:br>
+              <a:rPr lang="en-US" sz="3600" b="1"/>
+            </a:br>
+            <a:br>
+              <a:rPr lang="en-US" sz="3600" b="1"/>
+            </a:br>
+            <a:br>
+              <a:rPr lang="en-US" sz="3600" b="1"/>
+            </a:br>
+            <a:br>
+              <a:rPr lang="en-US" sz="3600" b="1"/>
+            </a:br>
+            <a:endParaRPr lang="en-US" sz="3600" b="1"/>
+          </a:p>
+          <a:p>
+            <a:pPr>
+              <a:spcAft>
+                <a:spcPts val="1800"/>
+              </a:spcAft>
+            </a:pPr>
+            <a:r>
+              <a:rPr lang="en-US" sz="3600" b="1">
+                <a:solidFill>
+                  <a:srgbClr val="5D87A1"/>
+                </a:solidFill>
+              </a:rPr>
+              <a:t>In-Memory Column Store</a:t>
+            </a:r>
+            <a:br>
+              <a:rPr lang="en-US" sz="3600" b="1"/>
+            </a:br>
+            <a:r>
+              <a:rPr lang="en-US" sz="3000">
+                <a:solidFill>
+                  <a:srgbClr val="000000"/>
+                </a:solidFill>
+              </a:rPr>
+              <a:t>Oracle</a:t>
+            </a:r>
+            <a:r>
+              <a:rPr lang="en-US" sz="3000">
+                <a:solidFill>
+                  <a:srgbClr val="000000"/>
+                </a:solidFill>
+                <a:latin typeface="Trebuchet MS"/>
+                <a:cs typeface="Arial"/>
+              </a:rPr>
+              <a:t> 12c </a:t>
+            </a:r>
+            <a:r>
+              <a:rPr lang="en-US" sz="3000"/>
+              <a:t>also has a new feature which stores data in columnar format. Objects as specific as columns from a table can be flagged for storage. Blocks from In-Memory storage can be scanned without decompression. Figure 3 shows how the run time for highly compressed tables increases when stored in the IMCS.</a:t>
+            </a:r>
+          </a:p>
+          <a:p>
+            <a:pPr>
+              <a:spcAft>
+                <a:spcPts val="1800"/>
+              </a:spcAft>
+            </a:pPr>
+            <a:endParaRPr lang="en-US" sz="3000"/>
+          </a:p>
+          <a:p>
+            <a:pPr>
+              <a:spcAft>
+                <a:spcPts val="1800"/>
+              </a:spcAft>
+            </a:pPr>
+            <a:endParaRPr lang="en-US" sz="3000"/>
+          </a:p>
+          <a:p>
+            <a:pPr>
+              <a:spcAft>
+                <a:spcPts val="1800"/>
+              </a:spcAft>
+            </a:pPr>
+            <a:endParaRPr lang="en-US" sz="3000"/>
+          </a:p>
+          <a:p>
+            <a:pPr>
+              <a:spcAft>
+                <a:spcPts val="1800"/>
+              </a:spcAft>
+            </a:pPr>
+            <a:endParaRPr lang="en-US" sz="3000"/>
+          </a:p>
+        </p:txBody>
+      </p:sp>
+      <p:sp>
+        <p:nvSpPr>
+          <p:cNvPr id="14" name="TextBox 13"/>
+          <p:cNvSpPr txBox="1"/>
+          <p:nvPr/>
+        </p:nvSpPr>
+        <p:spPr>
+          <a:xfrm>
+            <a:off x="22269448" y="12318879"/>
+            <a:ext cx="9222475" cy="13512801"/>
+          </a:xfrm>
+          <a:prstGeom prst="rect">
+            <a:avLst/>
+          </a:prstGeom>
+          <a:noFill/>
+        </p:spPr>
+        <p:txBody>
+          <a:bodyPr wrap="square" rtlCol="0" anchor="t">
+            <a:noAutofit/>
+          </a:bodyPr>
+          <a:lstStyle/>
+          <a:p>
+            <a:pPr>
+              <a:spcAft>
+                <a:spcPts val="1800"/>
+              </a:spcAft>
+            </a:pPr>
+            <a:endParaRPr lang="en-US" sz="3600" b="1">
+              <a:solidFill>
+                <a:srgbClr val="5D87A1"/>
+              </a:solidFill>
+            </a:endParaRPr>
+          </a:p>
+          <a:p>
+            <a:pPr>
+              <a:spcAft>
+                <a:spcPts val="1800"/>
+              </a:spcAft>
+            </a:pPr>
+            <a:r>
+              <a:rPr lang="en-US" sz="3600" b="1">
+                <a:solidFill>
+                  <a:srgbClr val="5D87A1"/>
+                </a:solidFill>
+              </a:rPr>
+              <a:t>Overall Results</a:t>
+            </a:r>
+            <a:endParaRPr lang="en-US" sz="2800" b="1">
+              <a:solidFill>
+                <a:srgbClr val="000000"/>
+              </a:solidFill>
+            </a:endParaRPr>
+          </a:p>
+          <a:p>
+            <a:pPr marL="457200" indent="-457200">
+              <a:spcAft>
+                <a:spcPts val="1800"/>
+              </a:spcAft>
+              <a:buFont typeface="Arial" panose="020B0604020202020204" pitchFamily="34" charset="0"/>
+              <a:buChar char="•"/>
+            </a:pPr>
+            <a:r>
+              <a:rPr lang="en-US" sz="3000"/>
+              <a:t>Increase of undocumented parameter _PGA_MAX_SIZE prevented operations from spilling to temporary tablespace.</a:t>
+            </a:r>
+          </a:p>
+          <a:p>
+            <a:pPr marL="457200" indent="-457200">
+              <a:spcAft>
+                <a:spcPts val="1800"/>
+              </a:spcAft>
+              <a:buFont typeface="Arial"/>
+              <a:buChar char="•"/>
+            </a:pPr>
+            <a:r>
+              <a:rPr lang="en-US" sz="3000"/>
+              <a:t>Big Table Cache experiment resulted in buffer reads for initial table scans, essentially reducing initial disk IO.</a:t>
+            </a:r>
+          </a:p>
+          <a:p>
+            <a:pPr marL="457200" indent="-457200">
+              <a:spcAft>
+                <a:spcPts val="1800"/>
+              </a:spcAft>
+              <a:buFont typeface="Arial"/>
+              <a:buChar char="•"/>
+            </a:pPr>
+            <a:r>
+              <a:rPr lang="en-US" sz="3000"/>
+              <a:t>In-Memory Column Store experiment demonstrated the benefits of in memory execution, with the added benefit of scans on compressed columnar data.</a:t>
+            </a:r>
+          </a:p>
+          <a:p>
+            <a:pPr>
+              <a:spcAft>
+                <a:spcPts val="1800"/>
+              </a:spcAft>
+            </a:pPr>
+            <a:r>
+              <a:rPr lang="en-US" sz="3000"/>
+              <a:t>Each column in the plot below represents the summation of individual test run times for each experiment. There is a clear decrease in overall run time for each of the three experiments. The most dramatic increase in performance resulted from utilizing the In-Memory Column Store feature. Through these three experiments we were able to quantitatively demonstrate techniques for increasing DSS workload performance. </a:t>
+            </a:r>
+            <a:endParaRPr lang="en-US" sz="3000" b="1"/>
+          </a:p>
+        </p:txBody>
+      </p:sp>
+      <p:sp>
+        <p:nvSpPr>
           <p:cNvPr id="26" name="TextBox 25"/>
           <p:cNvSpPr txBox="1"/>
           <p:nvPr/>
@@ -5411,6 +5027,29 @@
               </a:rPr>
               <a:t>Background</a:t>
             </a:r>
+            <a:br>
+              <a:rPr lang="en-US" sz="3000"/>
+            </a:br>
+            <a:r>
+              <a:rPr lang="en-US" sz="3000">
+                <a:solidFill>
+                  <a:srgbClr val="000000"/>
+                </a:solidFill>
+              </a:rPr>
+              <a:t>Computational</a:t>
+            </a:r>
+            <a:r>
+              <a:rPr lang="en-US" sz="3000"/>
+              <a:t> efficiency and performance are paramount to being able to quickly and effectively analyze data within a reasonable time frame when working with very large data sets. Oracle 12c performs sub-optimally out of the box when it comes to analyzing the massive amount of telemetry data gathered from HP </a:t>
+            </a:r>
+            <a:r>
+              <a:rPr lang="en-US" sz="3000" err="1"/>
+              <a:t>PageWide</a:t>
+            </a:r>
+            <a:r>
+              <a:rPr lang="en-US" sz="3000"/>
+              <a:t> Web Press printers. Oracle database is instead setup for Online Transaction Processing (OLTP) workloads by default, which caters to handling many simple queries returning relatively small amounts of data. </a:t>
+            </a:r>
           </a:p>
           <a:p>
             <a:pPr>
@@ -5420,15 +5059,7 @@
             </a:pPr>
             <a:r>
               <a:rPr lang="en-US" sz="3000"/>
-              <a:t>Computational efficiency and performance are paramount to being able to quickly and effectively analyze data within a reasonable time frame when working with very large data sets. Oracle 12c performs sub-optimally out of the box when it comes to analyzing the massive amount of telemetry data gathered from HP </a:t>
-            </a:r>
-            <a:r>
-              <a:rPr lang="en-US" sz="3000" err="1"/>
-              <a:t>PageWide</a:t>
-            </a:r>
-            <a:r>
-              <a:rPr lang="en-US" sz="3000"/>
-              <a:t> Web Press printers. </a:t>
+              <a:t>Our clients current configuration does not perform optimally for Decision Support System (DSS) workloads, which involve analytical queries performing aggregations over very large sets of data. Because of this, our clients were experiencing very poor database performance for their use case despite having a very high performance server. </a:t>
             </a:r>
           </a:p>
           <a:p>
@@ -5438,28 +5069,6 @@
               </a:spcAft>
             </a:pPr>
             <a:r>
-              <a:rPr lang="en-US" sz="3000"/>
-              <a:t>Our clients were only utilizing a portion of the hardware they had available. Could you imagine waiting at a bank for hours for your transaction to complete? The answer is often an astounding no, especially when you can see that there are numerous tellers who are not helping any customers. This scenario is analogous to the problem our clients were encountering. </a:t>
-            </a:r>
-          </a:p>
-          <a:p>
-            <a:pPr>
-              <a:spcAft>
-                <a:spcPts val="1800"/>
-              </a:spcAft>
-            </a:pPr>
-            <a:r>
-              <a:rPr lang="en-US" sz="3000"/>
-              <a:t>Oracle database is setup for Online Transaction Processing (OLTP) workloads by default, which caters to handling many queries returning relatively few amounts of data. This configuration does not perform optimally for Decision Support System (DSS) workloads which involve aggregations over very large sets of data. This leads to very poor query performance out of the box when scanning over several terabytes of data.</a:t>
-            </a:r>
-          </a:p>
-          <a:p>
-            <a:pPr>
-              <a:spcAft>
-                <a:spcPts val="1800"/>
-              </a:spcAft>
-            </a:pPr>
-            <a:r>
               <a:rPr lang="en-US" sz="3600" b="1">
                 <a:solidFill>
                   <a:srgbClr val="5D87A1"/>
@@ -5467,16 +5076,20 @@
               </a:rPr>
               <a:t>Project Description</a:t>
             </a:r>
-          </a:p>
-          <a:p>
-            <a:pPr>
-              <a:spcAft>
-                <a:spcPts val="1800"/>
-              </a:spcAft>
-            </a:pPr>
+            <a:br>
+              <a:rPr lang="en-US" sz="3600" b="1"/>
+            </a:br>
+            <a:r>
+              <a:rPr lang="en-US" sz="3000">
+                <a:solidFill>
+                  <a:srgbClr val="000000"/>
+                </a:solidFill>
+              </a:rPr>
+              <a:t>The</a:t>
+            </a:r>
             <a:r>
               <a:rPr lang="en-US" sz="3000"/>
-              <a:t>The primary purpose of this project is to research concepts of Oracle database relating to increasing query performance for DSS workloads, experiment with turning internal performance knobs in the database, and develop a plan of changes to implement in the production database to improve database performance for our client's use cases. </a:t>
+              <a:t> primary purpose of this project is to research concepts of Oracle database relating to increasing query performance for DSS workloads and experimenting with turning internal performance knobs in the database. Our goal is to identify what knobs to turn and what features to use to increase query throughput. In turn, this will let the database use the server’s resources more efficiently to ultimately reduce query execution time.</a:t>
             </a:r>
           </a:p>
           <a:p>
@@ -5581,9 +5194,25 @@
                 <a:spcPts val="1800"/>
               </a:spcAft>
             </a:pPr>
+            <a:endParaRPr lang="en-US" sz="3000"/>
+          </a:p>
+          <a:p>
+            <a:pPr>
+              <a:spcAft>
+                <a:spcPts val="1800"/>
+              </a:spcAft>
+            </a:pPr>
+            <a:endParaRPr lang="en-US" sz="3000"/>
+          </a:p>
+          <a:p>
+            <a:pPr>
+              <a:spcAft>
+                <a:spcPts val="1800"/>
+              </a:spcAft>
+            </a:pPr>
             <a:r>
               <a:rPr lang="en-US" sz="2800" b="1"/>
-              <a:t>                Figure 1: Database Overview</a:t>
+              <a:t>                </a:t>
             </a:r>
           </a:p>
         </p:txBody>
@@ -5794,7 +5423,7 @@
           </a:prstGeom>
         </p:spPr>
         <p:txBody>
-          <a:bodyPr vert="horz" lIns="0" tIns="0" rIns="0" bIns="0" rtlCol="0">
+          <a:bodyPr vert="horz" lIns="0" tIns="0" rIns="0" bIns="0" rtlCol="0" anchor="t">
             <a:noAutofit/>
           </a:bodyPr>
           <a:lstStyle>
@@ -5953,432 +5582,18 @@
             </a:lvl9pPr>
           </a:lstStyle>
           <a:p>
-            <a:pPr algn="l"/>
             <a:r>
               <a:rPr lang="en-US" sz="5400">
                 <a:solidFill>
-                  <a:schemeClr val="bg1"/>
-                </a:solidFill>
+                  <a:srgbClr val="FFFFFF"/>
+                </a:solidFill>
+                <a:latin typeface="Trebuchet MS"/>
               </a:rPr>
-              <a:t>Though we may be few, we are crafty…</a:t>
-            </a:r>
-          </a:p>
-        </p:txBody>
-      </p:sp>
-      <p:sp>
-        <p:nvSpPr>
-          <p:cNvPr id="31" name="TextBox 30"/>
-          <p:cNvSpPr txBox="1"/>
-          <p:nvPr/>
-        </p:nvSpPr>
-        <p:spPr>
-          <a:xfrm>
-            <a:off x="34493201" y="12674612"/>
-            <a:ext cx="7827420" cy="15628638"/>
-          </a:xfrm>
-          <a:prstGeom prst="rect">
-            <a:avLst/>
-          </a:prstGeom>
-          <a:noFill/>
-        </p:spPr>
-        <p:txBody>
-          <a:bodyPr wrap="square" rtlCol="0" anchor="t">
-            <a:noAutofit/>
-          </a:bodyPr>
-          <a:lstStyle/>
-          <a:p>
-            <a:pPr>
-              <a:spcAft>
-                <a:spcPts val="1800"/>
-              </a:spcAft>
-            </a:pPr>
-            <a:r>
-              <a:rPr lang="en-US" sz="3600" b="1">
-                <a:solidFill>
-                  <a:srgbClr val="F37321"/>
-                </a:solidFill>
-              </a:rPr>
-              <a:t>Team Members:</a:t>
-            </a:r>
-          </a:p>
-          <a:p>
-            <a:pPr marL="457200" indent="-457200">
-              <a:spcAft>
-                <a:spcPts val="1800"/>
-              </a:spcAft>
-              <a:buFont typeface="Arial"/>
-              <a:buChar char="•"/>
-            </a:pPr>
-            <a:r>
-              <a:rPr lang="en-US" sz="3000" err="1">
-                <a:solidFill>
-                  <a:schemeClr val="bg1"/>
-                </a:solidFill>
-              </a:rPr>
-              <a:t>Nic</a:t>
-            </a:r>
-            <a:r>
-              <a:rPr lang="en-US" sz="3000">
-                <a:solidFill>
-                  <a:schemeClr val="bg1"/>
-                </a:solidFill>
-              </a:rPr>
-              <a:t> </a:t>
-            </a:r>
-            <a:r>
-              <a:rPr lang="en-US" sz="3000" err="1">
-                <a:solidFill>
-                  <a:schemeClr val="bg1"/>
-                </a:solidFill>
-              </a:rPr>
-              <a:t>Desilets</a:t>
-            </a:r>
-            <a:br>
-              <a:rPr lang="en-US" sz="3000"/>
-            </a:br>
-            <a:r>
-              <a:rPr lang="en-US" sz="3000">
-                <a:solidFill>
-                  <a:schemeClr val="bg1"/>
-                </a:solidFill>
-              </a:rPr>
-              <a:t>desiletn@oregonstate.edu</a:t>
-            </a:r>
-          </a:p>
-          <a:p>
-            <a:pPr marL="457200" indent="-457200">
-              <a:spcAft>
-                <a:spcPts val="1800"/>
-              </a:spcAft>
-              <a:buFont typeface="Arial"/>
-              <a:buChar char="•"/>
-            </a:pPr>
-            <a:r>
-              <a:rPr lang="en-US" sz="3000">
-                <a:solidFill>
-                  <a:schemeClr val="bg1"/>
-                </a:solidFill>
-              </a:rPr>
-              <a:t>Nathaniel Whitlock</a:t>
-            </a:r>
-            <a:br>
-              <a:rPr lang="en-US" sz="3000"/>
-            </a:br>
-            <a:r>
-              <a:rPr lang="en-US" sz="3000">
-                <a:solidFill>
-                  <a:schemeClr val="bg1"/>
-                </a:solidFill>
-              </a:rPr>
-              <a:t>whitlocn@oregonstate.edu</a:t>
-            </a:r>
-            <a:endParaRPr lang="en-US" sz="3200" b="1">
-              <a:solidFill>
-                <a:srgbClr val="F37321"/>
-              </a:solidFill>
-            </a:endParaRPr>
-          </a:p>
-          <a:p>
-            <a:pPr>
-              <a:spcAft>
-                <a:spcPts val="1800"/>
-              </a:spcAft>
-            </a:pPr>
-            <a:r>
-              <a:rPr lang="en-US" sz="3600" b="1">
-                <a:solidFill>
-                  <a:srgbClr val="F37321"/>
-                </a:solidFill>
-              </a:rPr>
-              <a:t>Clients:</a:t>
-            </a:r>
-          </a:p>
-          <a:p>
-            <a:pPr marL="457200" indent="-457200">
-              <a:spcAft>
-                <a:spcPts val="1800"/>
-              </a:spcAft>
-              <a:buFont typeface="Arial"/>
-              <a:buChar char="•"/>
-            </a:pPr>
-            <a:r>
-              <a:rPr lang="en-US" sz="3000">
-                <a:solidFill>
-                  <a:schemeClr val="bg1"/>
-                </a:solidFill>
-              </a:rPr>
-              <a:t>Kirby Sand</a:t>
-            </a:r>
-            <a:br>
-              <a:rPr lang="en-US" sz="3000"/>
-            </a:br>
-            <a:r>
-              <a:rPr lang="en-US" sz="3000">
-                <a:solidFill>
-                  <a:schemeClr val="bg1"/>
-                </a:solidFill>
-              </a:rPr>
-              <a:t>Data Analyst</a:t>
-            </a:r>
-          </a:p>
-          <a:p>
-            <a:pPr marL="457200" indent="-457200">
-              <a:spcAft>
-                <a:spcPts val="1800"/>
-              </a:spcAft>
-              <a:buFont typeface="Arial"/>
-              <a:buChar char="•"/>
-            </a:pPr>
-            <a:r>
-              <a:rPr lang="en-US" sz="3000">
-                <a:solidFill>
-                  <a:schemeClr val="bg1"/>
-                </a:solidFill>
-              </a:rPr>
-              <a:t>Andy Weiss</a:t>
-            </a:r>
-            <a:br>
-              <a:rPr lang="en-US" sz="3000"/>
-            </a:br>
-            <a:r>
-              <a:rPr lang="en-US" sz="3000">
-                <a:solidFill>
-                  <a:schemeClr val="bg1"/>
-                </a:solidFill>
-              </a:rPr>
-              <a:t>Database Administrator</a:t>
-            </a:r>
-            <a:endParaRPr lang="en-US" sz="3000" b="1">
-              <a:solidFill>
-                <a:schemeClr val="bg1"/>
-              </a:solidFill>
-            </a:endParaRPr>
-          </a:p>
-          <a:p>
-            <a:pPr>
-              <a:spcAft>
-                <a:spcPts val="1800"/>
-              </a:spcAft>
-            </a:pPr>
-            <a:r>
-              <a:rPr lang="en-US" sz="3600" b="1">
-                <a:solidFill>
-                  <a:srgbClr val="F37321"/>
-                </a:solidFill>
-              </a:rPr>
-              <a:t>Affiliation:</a:t>
-            </a:r>
-          </a:p>
-          <a:p>
-            <a:pPr marL="457200" indent="-457200">
-              <a:spcAft>
-                <a:spcPts val="1800"/>
-              </a:spcAft>
-              <a:buFont typeface="Arial"/>
-              <a:buChar char="•"/>
-            </a:pPr>
-            <a:r>
-              <a:rPr lang="en-US" sz="3000">
-                <a:solidFill>
-                  <a:schemeClr val="bg1"/>
-                </a:solidFill>
-              </a:rPr>
-              <a:t>Hewlett-Packard Inc.</a:t>
-            </a:r>
-            <a:br>
-              <a:rPr lang="en-US" sz="3000"/>
-            </a:br>
-            <a:r>
-              <a:rPr lang="en-US" sz="3000" err="1">
-                <a:solidFill>
-                  <a:schemeClr val="bg1"/>
-                </a:solidFill>
-              </a:rPr>
-              <a:t>PageWide</a:t>
-            </a:r>
-            <a:r>
-              <a:rPr lang="en-US" sz="3000">
-                <a:solidFill>
-                  <a:schemeClr val="bg1"/>
-                </a:solidFill>
-              </a:rPr>
-              <a:t> Web Press</a:t>
-            </a:r>
-          </a:p>
-          <a:p>
-            <a:pPr>
-              <a:spcAft>
-                <a:spcPts val="1800"/>
-              </a:spcAft>
-            </a:pPr>
-            <a:r>
-              <a:rPr lang="en-US" sz="3200" b="1">
-                <a:solidFill>
-                  <a:srgbClr val="F37321"/>
-                </a:solidFill>
-              </a:rPr>
-              <a:t>Outcomes:</a:t>
-            </a:r>
-            <a:endParaRPr lang="en-US" sz="3000">
-              <a:solidFill>
-                <a:schemeClr val="bg1"/>
-              </a:solidFill>
-            </a:endParaRPr>
-          </a:p>
-          <a:p>
-            <a:pPr marL="457200" indent="-457200">
-              <a:spcAft>
-                <a:spcPts val="1800"/>
-              </a:spcAft>
-              <a:buFont typeface="Arial"/>
-              <a:buChar char="•"/>
-            </a:pPr>
-            <a:r>
-              <a:rPr lang="en-US" sz="3000">
-                <a:solidFill>
-                  <a:schemeClr val="bg1"/>
-                </a:solidFill>
-              </a:rPr>
-              <a:t>4 x speed improvements</a:t>
-            </a:r>
-          </a:p>
-          <a:p>
-            <a:pPr marL="457200" indent="-457200">
-              <a:spcAft>
-                <a:spcPts val="1800"/>
-              </a:spcAft>
-              <a:buFont typeface="Arial"/>
-              <a:buChar char="•"/>
-            </a:pPr>
-            <a:r>
-              <a:rPr lang="en-US" sz="3000">
-                <a:solidFill>
-                  <a:schemeClr val="bg1"/>
-                </a:solidFill>
-              </a:rPr>
-              <a:t>More resource utilization</a:t>
-            </a:r>
-          </a:p>
-          <a:p>
-            <a:pPr marL="457200" indent="-457200">
-              <a:spcAft>
-                <a:spcPts val="1800"/>
-              </a:spcAft>
-              <a:buFont typeface="Arial"/>
-              <a:buChar char="•"/>
-            </a:pPr>
-            <a:r>
-              <a:rPr lang="en-US" sz="3000">
-                <a:solidFill>
-                  <a:schemeClr val="bg1"/>
-                </a:solidFill>
-              </a:rPr>
-              <a:t>Increased query throughput</a:t>
-            </a:r>
-          </a:p>
-          <a:p>
-            <a:pPr>
-              <a:spcAft>
-                <a:spcPts val="1800"/>
-              </a:spcAft>
-            </a:pPr>
-            <a:r>
-              <a:rPr lang="en-US" sz="3000">
-                <a:solidFill>
-                  <a:schemeClr val="bg1"/>
-                </a:solidFill>
-              </a:rPr>
-              <a:t>Overall we were able to significantly increase query performance by optimizing the database to handle analytical workloads typical to a Data Warehouse.</a:t>
-            </a:r>
-            <a:endParaRPr lang="en-US" sz="3000">
-              <a:solidFill>
-                <a:srgbClr val="FFFFFF"/>
-              </a:solidFill>
-            </a:endParaRPr>
-          </a:p>
-          <a:p>
-            <a:pPr>
-              <a:spcAft>
-                <a:spcPts val="1800"/>
-              </a:spcAft>
-            </a:pPr>
-            <a:endParaRPr lang="en-US" sz="3000">
-              <a:solidFill>
-                <a:schemeClr val="bg1"/>
-              </a:solidFill>
-            </a:endParaRPr>
-          </a:p>
-          <a:p>
-            <a:pPr marL="457200" indent="-457200">
-              <a:spcAft>
-                <a:spcPts val="1800"/>
-              </a:spcAft>
-              <a:buFont typeface="Arial" panose="020B0604020202020204" pitchFamily="34" charset="0"/>
-              <a:buChar char="•"/>
-            </a:pPr>
-            <a:endParaRPr lang="en-US" sz="3000">
-              <a:solidFill>
-                <a:schemeClr val="bg1"/>
-              </a:solidFill>
-            </a:endParaRPr>
-          </a:p>
-          <a:p>
-            <a:pPr marL="457200" indent="-457200">
-              <a:spcAft>
-                <a:spcPts val="1800"/>
-              </a:spcAft>
-              <a:buFont typeface="Arial"/>
-              <a:buChar char="•"/>
-            </a:pPr>
-            <a:endParaRPr lang="en-US" sz="3000">
-              <a:solidFill>
-                <a:schemeClr val="bg1"/>
-              </a:solidFill>
-            </a:endParaRPr>
-          </a:p>
-        </p:txBody>
-      </p:sp>
-      <p:pic>
-        <p:nvPicPr>
-          <p:cNvPr id="1026" name="Picture 2" descr="Image result for stick picture with two people"/>
-          <p:cNvPicPr>
-            <a:picLocks noChangeAspect="1" noChangeArrowheads="1"/>
-          </p:cNvPicPr>
-          <p:nvPr/>
-        </p:nvPicPr>
-        <p:blipFill>
-          <a:blip r:embed="rId3">
-            <a:extLst>
-              <a:ext uri="{28A0092B-C50C-407E-A947-70E740481C1C}">
-                <a14:useLocalDpi xmlns:a14="http://schemas.microsoft.com/office/drawing/2010/main" val="0"/>
-              </a:ext>
-            </a:extLst>
-          </a:blip>
-          <a:srcRect/>
-          <a:stretch>
-            <a:fillRect/>
-          </a:stretch>
-        </p:blipFill>
-        <p:spPr bwMode="auto">
-          <a:xfrm>
-            <a:off x="34985326" y="5305425"/>
-            <a:ext cx="6311900" cy="6288524"/>
-          </a:xfrm>
-          <a:prstGeom prst="rect">
-            <a:avLst/>
-          </a:prstGeom>
-          <a:noFill/>
-          <a:extLst>
-            <a:ext uri="{909E8E84-426E-40DD-AFC4-6F175D3DCCD1}">
-              <a14:hiddenFill xmlns:a14="http://schemas.microsoft.com/office/drawing/2010/main">
-                <a:solidFill>
-                  <a:srgbClr val="FFFFFF"/>
-                </a:solidFill>
-              </a14:hiddenFill>
-            </a:ext>
-          </a:extLst>
-        </p:spPr>
-      </p:pic>
+              <a:t>Research Team</a:t>
+            </a:r>
+          </a:p>
+        </p:txBody>
+      </p:sp>
       <p:pic>
         <p:nvPicPr>
           <p:cNvPr id="16" name="Picture 15"/>
@@ -6388,15 +5603,15 @@
           <p:nvPr/>
         </p:nvPicPr>
         <p:blipFill>
-          <a:blip r:embed="rId4"/>
+          <a:blip r:embed="rId3"/>
           <a:stretch>
             <a:fillRect/>
           </a:stretch>
         </p:blipFill>
         <p:spPr>
           <a:xfrm>
-            <a:off x="22317075" y="24954657"/>
-            <a:ext cx="8802960" cy="6396528"/>
+            <a:off x="22224885" y="24175885"/>
+            <a:ext cx="9572073" cy="6954585"/>
           </a:xfrm>
           <a:prstGeom prst="rect">
             <a:avLst/>
@@ -6412,15 +5627,15 @@
           <p:nvPr/>
         </p:nvPicPr>
         <p:blipFill>
-          <a:blip r:embed="rId5"/>
+          <a:blip r:embed="rId4"/>
           <a:stretch>
             <a:fillRect/>
           </a:stretch>
         </p:blipFill>
         <p:spPr>
           <a:xfrm>
-            <a:off x="12582525" y="24993601"/>
-            <a:ext cx="8368540" cy="6076594"/>
+            <a:off x="12223458" y="24803100"/>
+            <a:ext cx="8958855" cy="6504471"/>
           </a:xfrm>
           <a:prstGeom prst="rect">
             <a:avLst/>
@@ -6436,60 +5651,19 @@
           <p:nvPr/>
         </p:nvPicPr>
         <p:blipFill>
-          <a:blip r:embed="rId6"/>
+          <a:blip r:embed="rId5"/>
           <a:stretch>
             <a:fillRect/>
           </a:stretch>
         </p:blipFill>
         <p:spPr>
           <a:xfrm>
-            <a:off x="12639675" y="13801725"/>
-            <a:ext cx="8502219" cy="6173662"/>
+            <a:off x="12223458" y="13382625"/>
+            <a:ext cx="8935834" cy="6489042"/>
           </a:xfrm>
           <a:prstGeom prst="rect">
             <a:avLst/>
           </a:prstGeom>
-        </p:spPr>
-      </p:pic>
-      <p:pic>
-        <p:nvPicPr>
-          <p:cNvPr id="22" name="Picture 1" descr="Description of Figure 14-1 follows"/>
-          <p:cNvPicPr>
-            <a:picLocks noChangeAspect="1" noChangeArrowheads="1"/>
-          </p:cNvPicPr>
-          <p:nvPr/>
-        </p:nvPicPr>
-        <p:blipFill>
-          <a:blip r:embed="rId7">
-            <a:extLst>
-              <a:ext uri="{28A0092B-C50C-407E-A947-70E740481C1C}">
-                <a14:useLocalDpi xmlns:a14="http://schemas.microsoft.com/office/drawing/2010/main" val="0"/>
-              </a:ext>
-            </a:extLst>
-          </a:blip>
-          <a:srcRect/>
-          <a:stretch>
-            <a:fillRect/>
-          </a:stretch>
-        </p:blipFill>
-        <p:spPr bwMode="auto">
-          <a:xfrm>
-            <a:off x="1943100" y="23831550"/>
-            <a:ext cx="7817380" cy="8020050"/>
-          </a:xfrm>
-          <a:prstGeom prst="rect">
-            <a:avLst/>
-          </a:prstGeom>
-          <a:noFill/>
-          <a:extLst>
-            <a:ext uri="{909E8E84-426E-40DD-AFC4-6F175D3DCCD1}">
-              <a14:hiddenFill xmlns:a14="http://schemas.microsoft.com/office/drawing/2010/main">
-                <a:solidFill>
-                  <a:srgbClr val="FFFFFF"/>
-                </a:solidFill>
-              </a14:hiddenFill>
-            </a:ext>
-          </a:extLst>
         </p:spPr>
       </p:pic>
       <p:pic>
@@ -6501,15 +5675,15 @@
           <p:nvPr/>
         </p:nvPicPr>
         <p:blipFill>
-          <a:blip r:embed="rId8"/>
+          <a:blip r:embed="rId6"/>
           <a:stretch>
             <a:fillRect/>
           </a:stretch>
         </p:blipFill>
         <p:spPr>
           <a:xfrm>
-            <a:off x="22250401" y="5562600"/>
-            <a:ext cx="8745538" cy="6327556"/>
+            <a:off x="22269450" y="5391150"/>
+            <a:ext cx="9118199" cy="6597531"/>
           </a:xfrm>
           <a:prstGeom prst="rect">
             <a:avLst/>
@@ -6525,7 +5699,7 @@
           <p:nvPr/>
         </p:nvPicPr>
         <p:blipFill>
-          <a:blip r:embed="rId9"/>
+          <a:blip r:embed="rId7"/>
           <a:stretch>
             <a:fillRect/>
           </a:stretch>
@@ -6534,6 +5708,273 @@
           <a:xfrm>
             <a:off x="7534275" y="3849610"/>
             <a:ext cx="2228850" cy="2216996"/>
+          </a:xfrm>
+          <a:prstGeom prst="rect">
+            <a:avLst/>
+          </a:prstGeom>
+        </p:spPr>
+      </p:pic>
+      <p:pic>
+        <p:nvPicPr>
+          <p:cNvPr id="7" name="Picture 6"/>
+          <p:cNvPicPr>
+            <a:picLocks noChangeAspect="1"/>
+          </p:cNvPicPr>
+          <p:nvPr/>
+        </p:nvPicPr>
+        <p:blipFill>
+          <a:blip r:embed="rId8"/>
+          <a:stretch>
+            <a:fillRect/>
+          </a:stretch>
+        </p:blipFill>
+        <p:spPr>
+          <a:xfrm>
+            <a:off x="33327976" y="28232100"/>
+            <a:ext cx="2930010" cy="2929988"/>
+          </a:xfrm>
+          <a:prstGeom prst="rect">
+            <a:avLst/>
+          </a:prstGeom>
+        </p:spPr>
+      </p:pic>
+      <p:pic>
+        <p:nvPicPr>
+          <p:cNvPr id="4" name="Picture 3" descr="poster.jpg"/>
+          <p:cNvPicPr>
+            <a:picLocks noChangeAspect="1"/>
+          </p:cNvPicPr>
+          <p:nvPr/>
+        </p:nvPicPr>
+        <p:blipFill>
+          <a:blip r:embed="rId9"/>
+          <a:stretch>
+            <a:fillRect/>
+          </a:stretch>
+        </p:blipFill>
+        <p:spPr>
+          <a:xfrm>
+            <a:off x="34412416" y="3924300"/>
+            <a:ext cx="7696200" cy="5767359"/>
+          </a:xfrm>
+          <a:prstGeom prst="rect">
+            <a:avLst/>
+          </a:prstGeom>
+        </p:spPr>
+      </p:pic>
+      <p:sp>
+        <p:nvSpPr>
+          <p:cNvPr id="9" name="TextBox 8"/>
+          <p:cNvSpPr txBox="1"/>
+          <p:nvPr/>
+        </p:nvSpPr>
+        <p:spPr>
+          <a:xfrm>
+            <a:off x="20950146" y="31318200"/>
+            <a:ext cx="7541212" cy="523220"/>
+          </a:xfrm>
+          <a:prstGeom prst="rect">
+            <a:avLst/>
+          </a:prstGeom>
+        </p:spPr>
+        <p:txBody>
+          <a:bodyPr rtlCol="0" anchor="t">
+            <a:spAutoFit/>
+          </a:bodyPr>
+          <a:lstStyle/>
+          <a:p>
+            <a:pPr algn="ctr"/>
+            <a:r>
+              <a:rPr lang="en-US" sz="2800" b="1"/>
+              <a:t>Figure 5: </a:t>
+            </a:r>
+            <a:r>
+              <a:rPr lang="en-US" sz="2800"/>
+              <a:t>Summary of Results </a:t>
+            </a:r>
+            <a:endParaRPr lang="en-US" sz="2800">
+              <a:solidFill>
+                <a:srgbClr val="000000"/>
+              </a:solidFill>
+              <a:latin typeface="Trebuchet MS"/>
+            </a:endParaRPr>
+          </a:p>
+        </p:txBody>
+      </p:sp>
+      <p:sp>
+        <p:nvSpPr>
+          <p:cNvPr id="10" name="TextBox 9"/>
+          <p:cNvSpPr txBox="1"/>
+          <p:nvPr/>
+        </p:nvSpPr>
+        <p:spPr>
+          <a:xfrm>
+            <a:off x="543053" y="31132916"/>
+            <a:ext cx="6594031" cy="523220"/>
+          </a:xfrm>
+          <a:prstGeom prst="rect">
+            <a:avLst/>
+          </a:prstGeom>
+        </p:spPr>
+        <p:txBody>
+          <a:bodyPr rtlCol="0">
+            <a:spAutoFit/>
+          </a:bodyPr>
+          <a:lstStyle/>
+          <a:p>
+            <a:pPr algn="ctr"/>
+            <a:r>
+              <a:rPr lang="en-US" sz="2800" b="1"/>
+              <a:t>Figure 1: </a:t>
+            </a:r>
+            <a:r>
+              <a:rPr lang="en-US" sz="2800"/>
+              <a:t>Database Overview  </a:t>
+            </a:r>
+            <a:endParaRPr lang="en-US" sz="2800">
+              <a:solidFill>
+                <a:srgbClr val="000000"/>
+              </a:solidFill>
+              <a:latin typeface="Trebuchet MS"/>
+            </a:endParaRPr>
+          </a:p>
+        </p:txBody>
+      </p:sp>
+      <p:sp>
+        <p:nvSpPr>
+          <p:cNvPr id="11" name="TextBox 10"/>
+          <p:cNvSpPr txBox="1"/>
+          <p:nvPr/>
+        </p:nvSpPr>
+        <p:spPr>
+          <a:xfrm>
+            <a:off x="12271094" y="31318200"/>
+            <a:ext cx="6997747" cy="954107"/>
+          </a:xfrm>
+          <a:prstGeom prst="rect">
+            <a:avLst/>
+          </a:prstGeom>
+        </p:spPr>
+        <p:txBody>
+          <a:bodyPr rtlCol="0" anchor="t">
+            <a:spAutoFit/>
+          </a:bodyPr>
+          <a:lstStyle/>
+          <a:p>
+            <a:r>
+              <a:rPr lang="en-US" sz="2800" b="1"/>
+              <a:t>Figure 3: </a:t>
+            </a:r>
+            <a:r>
+              <a:rPr lang="en-US" sz="2800"/>
+              <a:t>Effect of various compression rates on run time</a:t>
+            </a:r>
+            <a:endParaRPr lang="en-US" sz="2800">
+              <a:solidFill>
+                <a:srgbClr val="000000"/>
+              </a:solidFill>
+              <a:latin typeface="Trebuchet MS"/>
+            </a:endParaRPr>
+          </a:p>
+        </p:txBody>
+      </p:sp>
+      <p:sp>
+        <p:nvSpPr>
+          <p:cNvPr id="12" name="TextBox 11"/>
+          <p:cNvSpPr txBox="1"/>
+          <p:nvPr/>
+        </p:nvSpPr>
+        <p:spPr>
+          <a:xfrm>
+            <a:off x="12224548" y="19916775"/>
+            <a:ext cx="8456786" cy="1384995"/>
+          </a:xfrm>
+          <a:prstGeom prst="rect">
+            <a:avLst/>
+          </a:prstGeom>
+        </p:spPr>
+        <p:txBody>
+          <a:bodyPr rtlCol="0">
+            <a:spAutoFit/>
+          </a:bodyPr>
+          <a:lstStyle/>
+          <a:p>
+            <a:r>
+              <a:rPr lang="en-US" sz="2800" b="1"/>
+              <a:t>Figure 2: </a:t>
+            </a:r>
+            <a:r>
+              <a:rPr lang="en-US" sz="2800"/>
+              <a:t>Effect of buffer gets on IO interconnect and runtime</a:t>
+            </a:r>
+            <a:endParaRPr lang="en-US" sz="2800">
+              <a:solidFill>
+                <a:srgbClr val="000000"/>
+              </a:solidFill>
+              <a:latin typeface="Trebuchet MS"/>
+            </a:endParaRPr>
+          </a:p>
+          <a:p>
+            <a:pPr algn="ctr"/>
+            <a:endParaRPr lang="en-US" sz="2800">
+              <a:solidFill>
+                <a:srgbClr val="000000"/>
+              </a:solidFill>
+              <a:latin typeface="Trebuchet MS"/>
+            </a:endParaRPr>
+          </a:p>
+        </p:txBody>
+      </p:sp>
+      <p:sp>
+        <p:nvSpPr>
+          <p:cNvPr id="17" name="TextBox 16"/>
+          <p:cNvSpPr txBox="1"/>
+          <p:nvPr/>
+        </p:nvSpPr>
+        <p:spPr>
+          <a:xfrm>
+            <a:off x="22097999" y="12030075"/>
+            <a:ext cx="8581397" cy="954107"/>
+          </a:xfrm>
+          <a:prstGeom prst="rect">
+            <a:avLst/>
+          </a:prstGeom>
+        </p:spPr>
+        <p:txBody>
+          <a:bodyPr rtlCol="0">
+            <a:spAutoFit/>
+          </a:bodyPr>
+          <a:lstStyle/>
+          <a:p>
+            <a:r>
+              <a:rPr lang="en-US" sz="2800" b="1"/>
+              <a:t>Figure 4: </a:t>
+            </a:r>
+            <a:r>
+              <a:rPr lang="en-US" sz="2800"/>
+              <a:t>Effect of degree of parallelism and PGA size on run time</a:t>
+            </a:r>
+          </a:p>
+        </p:txBody>
+      </p:sp>
+      <p:pic>
+        <p:nvPicPr>
+          <p:cNvPr id="18" name="Picture 17" descr="oraclearch.jpg"/>
+          <p:cNvPicPr>
+            <a:picLocks noChangeAspect="1"/>
+          </p:cNvPicPr>
+          <p:nvPr/>
+        </p:nvPicPr>
+        <p:blipFill>
+          <a:blip r:embed="rId10"/>
+          <a:stretch>
+            <a:fillRect/>
+          </a:stretch>
+        </p:blipFill>
+        <p:spPr>
+          <a:xfrm>
+            <a:off x="1314760" y="21640799"/>
+            <a:ext cx="8935240" cy="9302128"/>
           </a:xfrm>
           <a:prstGeom prst="rect">
             <a:avLst/>
